--- a/github_tutorial.pptx
+++ b/github_tutorial.pptx
@@ -6,6 +6,12 @@
   </p:sldMasterIdLst>
   <p:sldIdLst>
     <p:sldId id="256" r:id="rId2"/>
+    <p:sldId id="260" r:id="rId3"/>
+    <p:sldId id="257" r:id="rId4"/>
+    <p:sldId id="262" r:id="rId5"/>
+    <p:sldId id="261" r:id="rId6"/>
+    <p:sldId id="258" r:id="rId7"/>
+    <p:sldId id="259" r:id="rId8"/>
   </p:sldIdLst>
   <p:sldSz cx="9144000" cy="6858000" type="screen4x3"/>
   <p:notesSz cx="6858000" cy="9144000"/>
@@ -3077,6 +3083,594 @@
     <p:extLst>
       <p:ext uri="{BB962C8B-B14F-4D97-AF65-F5344CB8AC3E}">
         <p14:creationId xmlns:p14="http://schemas.microsoft.com/office/powerpoint/2010/main" val="3006269490"/>
+      </p:ext>
+    </p:extLst>
+  </p:cSld>
+  <p:clrMapOvr>
+    <a:masterClrMapping/>
+  </p:clrMapOvr>
+</p:sld>
+</file>
+
+<file path=ppt/slides/slide2.xml><?xml version="1.0" encoding="utf-8"?>
+<p:sld xmlns:a="http://schemas.openxmlformats.org/drawingml/2006/main" xmlns:r="http://schemas.openxmlformats.org/officeDocument/2006/relationships" xmlns:p="http://schemas.openxmlformats.org/presentationml/2006/main">
+  <p:cSld>
+    <p:spTree>
+      <p:nvGrpSpPr>
+        <p:cNvPr id="1" name=""/>
+        <p:cNvGrpSpPr/>
+        <p:nvPr/>
+      </p:nvGrpSpPr>
+      <p:grpSpPr>
+        <a:xfrm>
+          <a:off x="0" y="0"/>
+          <a:ext cx="0" cy="0"/>
+          <a:chOff x="0" y="0"/>
+          <a:chExt cx="0" cy="0"/>
+        </a:xfrm>
+      </p:grpSpPr>
+      <p:sp>
+        <p:nvSpPr>
+          <p:cNvPr id="2" name="標題 1"/>
+          <p:cNvSpPr>
+            <a:spLocks noGrp="1"/>
+          </p:cNvSpPr>
+          <p:nvPr>
+            <p:ph type="title"/>
+          </p:nvPr>
+        </p:nvSpPr>
+        <p:spPr/>
+        <p:txBody>
+          <a:bodyPr/>
+          <a:lstStyle/>
+          <a:p>
+            <a:r>
+              <a:rPr lang="en-US" altLang="zh-TW" dirty="0" err="1" smtClean="0"/>
+              <a:t>Git</a:t>
+            </a:r>
+            <a:endParaRPr lang="zh-TW" altLang="en-US" dirty="0"/>
+          </a:p>
+        </p:txBody>
+      </p:sp>
+      <p:sp>
+        <p:nvSpPr>
+          <p:cNvPr id="3" name="內容版面配置區 2"/>
+          <p:cNvSpPr>
+            <a:spLocks noGrp="1"/>
+          </p:cNvSpPr>
+          <p:nvPr>
+            <p:ph idx="1"/>
+          </p:nvPr>
+        </p:nvSpPr>
+        <p:spPr/>
+        <p:txBody>
+          <a:bodyPr/>
+          <a:lstStyle/>
+          <a:p>
+            <a:endParaRPr lang="zh-TW" altLang="en-US"/>
+          </a:p>
+        </p:txBody>
+      </p:sp>
+    </p:spTree>
+    <p:extLst>
+      <p:ext uri="{BB962C8B-B14F-4D97-AF65-F5344CB8AC3E}">
+        <p14:creationId xmlns:p14="http://schemas.microsoft.com/office/powerpoint/2010/main" val="3338843509"/>
+      </p:ext>
+    </p:extLst>
+  </p:cSld>
+  <p:clrMapOvr>
+    <a:masterClrMapping/>
+  </p:clrMapOvr>
+</p:sld>
+</file>
+
+<file path=ppt/slides/slide3.xml><?xml version="1.0" encoding="utf-8"?>
+<p:sld xmlns:a="http://schemas.openxmlformats.org/drawingml/2006/main" xmlns:r="http://schemas.openxmlformats.org/officeDocument/2006/relationships" xmlns:p="http://schemas.openxmlformats.org/presentationml/2006/main">
+  <p:cSld>
+    <p:spTree>
+      <p:nvGrpSpPr>
+        <p:cNvPr id="1" name=""/>
+        <p:cNvGrpSpPr/>
+        <p:nvPr/>
+      </p:nvGrpSpPr>
+      <p:grpSpPr>
+        <a:xfrm>
+          <a:off x="0" y="0"/>
+          <a:ext cx="0" cy="0"/>
+          <a:chOff x="0" y="0"/>
+          <a:chExt cx="0" cy="0"/>
+        </a:xfrm>
+      </p:grpSpPr>
+      <p:sp>
+        <p:nvSpPr>
+          <p:cNvPr id="2" name="標題 1"/>
+          <p:cNvSpPr>
+            <a:spLocks noGrp="1"/>
+          </p:cNvSpPr>
+          <p:nvPr>
+            <p:ph type="title"/>
+          </p:nvPr>
+        </p:nvSpPr>
+        <p:spPr/>
+        <p:txBody>
+          <a:bodyPr/>
+          <a:lstStyle/>
+          <a:p>
+            <a:r>
+              <a:rPr lang="en-US" altLang="zh-TW" dirty="0" smtClean="0"/>
+              <a:t>Create local repository</a:t>
+            </a:r>
+            <a:endParaRPr lang="zh-TW" altLang="en-US" dirty="0"/>
+          </a:p>
+        </p:txBody>
+      </p:sp>
+      <p:sp>
+        <p:nvSpPr>
+          <p:cNvPr id="3" name="內容版面配置區 2"/>
+          <p:cNvSpPr>
+            <a:spLocks noGrp="1"/>
+          </p:cNvSpPr>
+          <p:nvPr>
+            <p:ph idx="1"/>
+          </p:nvPr>
+        </p:nvSpPr>
+        <p:spPr/>
+        <p:txBody>
+          <a:bodyPr>
+            <a:normAutofit lnSpcReduction="10000"/>
+          </a:bodyPr>
+          <a:lstStyle/>
+          <a:p>
+            <a:pPr marL="0" indent="0">
+              <a:buNone/>
+            </a:pPr>
+            <a:r>
+              <a:rPr lang="en-US" altLang="zh-TW" dirty="0" err="1" smtClean="0"/>
+              <a:t>mkdir</a:t>
+            </a:r>
+            <a:r>
+              <a:rPr lang="en-US" altLang="zh-TW" dirty="0" smtClean="0"/>
+              <a:t> project(create project folder)</a:t>
+            </a:r>
+          </a:p>
+          <a:p>
+            <a:pPr marL="0" indent="0">
+              <a:buNone/>
+            </a:pPr>
+            <a:r>
+              <a:rPr lang="en-US" altLang="zh-TW" dirty="0" smtClean="0"/>
+              <a:t>cd project(move into project folder)</a:t>
+            </a:r>
+          </a:p>
+          <a:p>
+            <a:pPr marL="0" indent="0">
+              <a:buNone/>
+            </a:pPr>
+            <a:r>
+              <a:rPr lang="en-US" altLang="zh-TW" dirty="0" err="1" smtClean="0"/>
+              <a:t>git</a:t>
+            </a:r>
+            <a:r>
+              <a:rPr lang="en-US" altLang="zh-TW" dirty="0" smtClean="0"/>
+              <a:t> </a:t>
+            </a:r>
+            <a:r>
+              <a:rPr lang="en-US" altLang="zh-TW" dirty="0" err="1" smtClean="0"/>
+              <a:t>init</a:t>
+            </a:r>
+            <a:r>
+              <a:rPr lang="en-US" altLang="zh-TW" dirty="0" smtClean="0"/>
+              <a:t>(initial local </a:t>
+            </a:r>
+            <a:r>
+              <a:rPr lang="en-US" altLang="zh-TW" dirty="0" err="1" smtClean="0"/>
+              <a:t>git</a:t>
+            </a:r>
+            <a:r>
+              <a:rPr lang="en-US" altLang="zh-TW" dirty="0" smtClean="0"/>
+              <a:t>)</a:t>
+            </a:r>
+          </a:p>
+          <a:p>
+            <a:pPr marL="0" indent="0">
+              <a:buNone/>
+            </a:pPr>
+            <a:r>
+              <a:rPr lang="en-US" altLang="zh-TW" dirty="0" smtClean="0"/>
+              <a:t>touch test.txt(create test.txt)</a:t>
+            </a:r>
+          </a:p>
+          <a:p>
+            <a:pPr marL="0" indent="0">
+              <a:buNone/>
+            </a:pPr>
+            <a:r>
+              <a:rPr lang="en-US" altLang="zh-TW" dirty="0" err="1"/>
+              <a:t>g</a:t>
+            </a:r>
+            <a:r>
+              <a:rPr lang="en-US" altLang="zh-TW" dirty="0" err="1" smtClean="0"/>
+              <a:t>it</a:t>
+            </a:r>
+            <a:r>
+              <a:rPr lang="en-US" altLang="zh-TW" dirty="0" smtClean="0"/>
+              <a:t> status(check  untrack file)</a:t>
+            </a:r>
+          </a:p>
+          <a:p>
+            <a:pPr marL="0" indent="0">
+              <a:buNone/>
+            </a:pPr>
+            <a:r>
+              <a:rPr lang="en-US" altLang="zh-TW" dirty="0" err="1"/>
+              <a:t>g</a:t>
+            </a:r>
+            <a:r>
+              <a:rPr lang="en-US" altLang="zh-TW" dirty="0" err="1" smtClean="0"/>
+              <a:t>it</a:t>
+            </a:r>
+            <a:r>
+              <a:rPr lang="en-US" altLang="zh-TW" dirty="0" smtClean="0"/>
+              <a:t> add .(track file)</a:t>
+            </a:r>
+          </a:p>
+          <a:p>
+            <a:pPr marL="0" indent="0">
+              <a:buNone/>
+            </a:pPr>
+            <a:r>
+              <a:rPr lang="en-US" altLang="zh-TW" dirty="0" err="1" smtClean="0"/>
+              <a:t>git</a:t>
+            </a:r>
+            <a:r>
+              <a:rPr lang="en-US" altLang="zh-TW" dirty="0" smtClean="0"/>
+              <a:t> commit  –m “commit description”</a:t>
+            </a:r>
+          </a:p>
+          <a:p>
+            <a:pPr marL="0" indent="0">
+              <a:buNone/>
+            </a:pPr>
+            <a:r>
+              <a:rPr lang="en-US" altLang="zh-TW" dirty="0" err="1"/>
+              <a:t>g</a:t>
+            </a:r>
+            <a:r>
+              <a:rPr lang="en-US" altLang="zh-TW" dirty="0" err="1" smtClean="0"/>
+              <a:t>it</a:t>
+            </a:r>
+            <a:r>
+              <a:rPr lang="en-US" altLang="zh-TW" dirty="0" smtClean="0"/>
+              <a:t> log(check commit history)</a:t>
+            </a:r>
+            <a:endParaRPr lang="zh-TW" altLang="en-US" dirty="0"/>
+          </a:p>
+        </p:txBody>
+      </p:sp>
+    </p:spTree>
+    <p:extLst>
+      <p:ext uri="{BB962C8B-B14F-4D97-AF65-F5344CB8AC3E}">
+        <p14:creationId xmlns:p14="http://schemas.microsoft.com/office/powerpoint/2010/main" val="2428529176"/>
+      </p:ext>
+    </p:extLst>
+  </p:cSld>
+  <p:clrMapOvr>
+    <a:masterClrMapping/>
+  </p:clrMapOvr>
+</p:sld>
+</file>
+
+<file path=ppt/slides/slide4.xml><?xml version="1.0" encoding="utf-8"?>
+<p:sld xmlns:a="http://schemas.openxmlformats.org/drawingml/2006/main" xmlns:r="http://schemas.openxmlformats.org/officeDocument/2006/relationships" xmlns:p="http://schemas.openxmlformats.org/presentationml/2006/main">
+  <p:cSld>
+    <p:spTree>
+      <p:nvGrpSpPr>
+        <p:cNvPr id="1" name=""/>
+        <p:cNvGrpSpPr/>
+        <p:nvPr/>
+      </p:nvGrpSpPr>
+      <p:grpSpPr>
+        <a:xfrm>
+          <a:off x="0" y="0"/>
+          <a:ext cx="0" cy="0"/>
+          <a:chOff x="0" y="0"/>
+          <a:chExt cx="0" cy="0"/>
+        </a:xfrm>
+      </p:grpSpPr>
+      <p:sp>
+        <p:nvSpPr>
+          <p:cNvPr id="2" name="標題 1"/>
+          <p:cNvSpPr>
+            <a:spLocks noGrp="1"/>
+          </p:cNvSpPr>
+          <p:nvPr>
+            <p:ph type="title"/>
+          </p:nvPr>
+        </p:nvSpPr>
+        <p:spPr/>
+        <p:txBody>
+          <a:bodyPr/>
+          <a:lstStyle/>
+          <a:p>
+            <a:endParaRPr lang="zh-TW" altLang="en-US"/>
+          </a:p>
+        </p:txBody>
+      </p:sp>
+      <p:sp>
+        <p:nvSpPr>
+          <p:cNvPr id="3" name="內容版面配置區 2"/>
+          <p:cNvSpPr>
+            <a:spLocks noGrp="1"/>
+          </p:cNvSpPr>
+          <p:nvPr>
+            <p:ph idx="1"/>
+          </p:nvPr>
+        </p:nvSpPr>
+        <p:spPr/>
+        <p:txBody>
+          <a:bodyPr/>
+          <a:lstStyle/>
+          <a:p>
+            <a:endParaRPr lang="zh-TW" altLang="en-US"/>
+          </a:p>
+        </p:txBody>
+      </p:sp>
+    </p:spTree>
+    <p:extLst>
+      <p:ext uri="{BB962C8B-B14F-4D97-AF65-F5344CB8AC3E}">
+        <p14:creationId xmlns:p14="http://schemas.microsoft.com/office/powerpoint/2010/main" val="1068680452"/>
+      </p:ext>
+    </p:extLst>
+  </p:cSld>
+  <p:clrMapOvr>
+    <a:masterClrMapping/>
+  </p:clrMapOvr>
+</p:sld>
+</file>
+
+<file path=ppt/slides/slide5.xml><?xml version="1.0" encoding="utf-8"?>
+<p:sld xmlns:a="http://schemas.openxmlformats.org/drawingml/2006/main" xmlns:r="http://schemas.openxmlformats.org/officeDocument/2006/relationships" xmlns:p="http://schemas.openxmlformats.org/presentationml/2006/main">
+  <p:cSld>
+    <p:spTree>
+      <p:nvGrpSpPr>
+        <p:cNvPr id="1" name=""/>
+        <p:cNvGrpSpPr/>
+        <p:nvPr/>
+      </p:nvGrpSpPr>
+      <p:grpSpPr>
+        <a:xfrm>
+          <a:off x="0" y="0"/>
+          <a:ext cx="0" cy="0"/>
+          <a:chOff x="0" y="0"/>
+          <a:chExt cx="0" cy="0"/>
+        </a:xfrm>
+      </p:grpSpPr>
+      <p:sp>
+        <p:nvSpPr>
+          <p:cNvPr id="2" name="標題 1"/>
+          <p:cNvSpPr>
+            <a:spLocks noGrp="1"/>
+          </p:cNvSpPr>
+          <p:nvPr>
+            <p:ph type="title"/>
+          </p:nvPr>
+        </p:nvSpPr>
+        <p:spPr/>
+        <p:txBody>
+          <a:bodyPr/>
+          <a:lstStyle/>
+          <a:p>
+            <a:r>
+              <a:rPr lang="en-US" altLang="zh-TW" dirty="0" err="1" smtClean="0"/>
+              <a:t>Github</a:t>
+            </a:r>
+            <a:endParaRPr lang="zh-TW" altLang="en-US" dirty="0"/>
+          </a:p>
+        </p:txBody>
+      </p:sp>
+      <p:sp>
+        <p:nvSpPr>
+          <p:cNvPr id="3" name="內容版面配置區 2"/>
+          <p:cNvSpPr>
+            <a:spLocks noGrp="1"/>
+          </p:cNvSpPr>
+          <p:nvPr>
+            <p:ph idx="1"/>
+          </p:nvPr>
+        </p:nvSpPr>
+        <p:spPr/>
+        <p:txBody>
+          <a:bodyPr/>
+          <a:lstStyle/>
+          <a:p>
+            <a:endParaRPr lang="zh-TW" altLang="en-US"/>
+          </a:p>
+        </p:txBody>
+      </p:sp>
+    </p:spTree>
+    <p:extLst>
+      <p:ext uri="{BB962C8B-B14F-4D97-AF65-F5344CB8AC3E}">
+        <p14:creationId xmlns:p14="http://schemas.microsoft.com/office/powerpoint/2010/main" val="1156074623"/>
+      </p:ext>
+    </p:extLst>
+  </p:cSld>
+  <p:clrMapOvr>
+    <a:masterClrMapping/>
+  </p:clrMapOvr>
+</p:sld>
+</file>
+
+<file path=ppt/slides/slide6.xml><?xml version="1.0" encoding="utf-8"?>
+<p:sld xmlns:a="http://schemas.openxmlformats.org/drawingml/2006/main" xmlns:r="http://schemas.openxmlformats.org/officeDocument/2006/relationships" xmlns:p="http://schemas.openxmlformats.org/presentationml/2006/main">
+  <p:cSld>
+    <p:spTree>
+      <p:nvGrpSpPr>
+        <p:cNvPr id="1" name=""/>
+        <p:cNvGrpSpPr/>
+        <p:nvPr/>
+      </p:nvGrpSpPr>
+      <p:grpSpPr>
+        <a:xfrm>
+          <a:off x="0" y="0"/>
+          <a:ext cx="0" cy="0"/>
+          <a:chOff x="0" y="0"/>
+          <a:chExt cx="0" cy="0"/>
+        </a:xfrm>
+      </p:grpSpPr>
+      <p:sp>
+        <p:nvSpPr>
+          <p:cNvPr id="2" name="標題 1"/>
+          <p:cNvSpPr>
+            <a:spLocks noGrp="1"/>
+          </p:cNvSpPr>
+          <p:nvPr>
+            <p:ph type="title"/>
+          </p:nvPr>
+        </p:nvSpPr>
+        <p:spPr/>
+        <p:txBody>
+          <a:bodyPr/>
+          <a:lstStyle/>
+          <a:p>
+            <a:endParaRPr lang="zh-TW" altLang="en-US"/>
+          </a:p>
+        </p:txBody>
+      </p:sp>
+      <p:sp>
+        <p:nvSpPr>
+          <p:cNvPr id="3" name="內容版面配置區 2"/>
+          <p:cNvSpPr>
+            <a:spLocks noGrp="1"/>
+          </p:cNvSpPr>
+          <p:nvPr>
+            <p:ph idx="1"/>
+          </p:nvPr>
+        </p:nvSpPr>
+        <p:spPr/>
+        <p:txBody>
+          <a:bodyPr/>
+          <a:lstStyle/>
+          <a:p>
+            <a:r>
+              <a:rPr lang="en-US" altLang="zh-TW" dirty="0" err="1" smtClean="0"/>
+              <a:t>git</a:t>
+            </a:r>
+            <a:r>
+              <a:rPr lang="en-US" altLang="zh-TW" dirty="0" smtClean="0"/>
+              <a:t> clone (clone repository to local) </a:t>
+            </a:r>
+          </a:p>
+          <a:p>
+            <a:r>
+              <a:rPr lang="en-US" altLang="zh-TW" dirty="0" err="1" smtClean="0"/>
+              <a:t>git</a:t>
+            </a:r>
+            <a:r>
+              <a:rPr lang="en-US" altLang="zh-TW" dirty="0" smtClean="0"/>
+              <a:t> push(push local repository to </a:t>
+            </a:r>
+            <a:r>
+              <a:rPr lang="en-US" altLang="zh-TW" dirty="0" err="1" smtClean="0"/>
+              <a:t>github</a:t>
+            </a:r>
+            <a:r>
+              <a:rPr lang="en-US" altLang="zh-TW" dirty="0" smtClean="0"/>
+              <a:t>)</a:t>
+            </a:r>
+          </a:p>
+          <a:p>
+            <a:r>
+              <a:rPr lang="en-US" altLang="zh-TW" dirty="0" err="1" smtClean="0"/>
+              <a:t>git</a:t>
+            </a:r>
+            <a:r>
+              <a:rPr lang="en-US" altLang="zh-TW" dirty="0" smtClean="0"/>
+              <a:t> pull (pull repository from </a:t>
+            </a:r>
+            <a:r>
+              <a:rPr lang="en-US" altLang="zh-TW" dirty="0" err="1" smtClean="0"/>
+              <a:t>github</a:t>
+            </a:r>
+            <a:r>
+              <a:rPr lang="en-US" altLang="zh-TW" dirty="0" smtClean="0"/>
+              <a:t>)</a:t>
+            </a:r>
+            <a:endParaRPr lang="zh-TW" altLang="en-US" dirty="0"/>
+          </a:p>
+        </p:txBody>
+      </p:sp>
+    </p:spTree>
+    <p:extLst>
+      <p:ext uri="{BB962C8B-B14F-4D97-AF65-F5344CB8AC3E}">
+        <p14:creationId xmlns:p14="http://schemas.microsoft.com/office/powerpoint/2010/main" val="1434660974"/>
+      </p:ext>
+    </p:extLst>
+  </p:cSld>
+  <p:clrMapOvr>
+    <a:masterClrMapping/>
+  </p:clrMapOvr>
+</p:sld>
+</file>
+
+<file path=ppt/slides/slide7.xml><?xml version="1.0" encoding="utf-8"?>
+<p:sld xmlns:a="http://schemas.openxmlformats.org/drawingml/2006/main" xmlns:r="http://schemas.openxmlformats.org/officeDocument/2006/relationships" xmlns:p="http://schemas.openxmlformats.org/presentationml/2006/main">
+  <p:cSld>
+    <p:spTree>
+      <p:nvGrpSpPr>
+        <p:cNvPr id="1" name=""/>
+        <p:cNvGrpSpPr/>
+        <p:nvPr/>
+      </p:nvGrpSpPr>
+      <p:grpSpPr>
+        <a:xfrm>
+          <a:off x="0" y="0"/>
+          <a:ext cx="0" cy="0"/>
+          <a:chOff x="0" y="0"/>
+          <a:chExt cx="0" cy="0"/>
+        </a:xfrm>
+      </p:grpSpPr>
+      <p:sp>
+        <p:nvSpPr>
+          <p:cNvPr id="2" name="標題 1"/>
+          <p:cNvSpPr>
+            <a:spLocks noGrp="1"/>
+          </p:cNvSpPr>
+          <p:nvPr>
+            <p:ph type="title"/>
+          </p:nvPr>
+        </p:nvSpPr>
+        <p:spPr/>
+        <p:txBody>
+          <a:bodyPr/>
+          <a:lstStyle/>
+          <a:p>
+            <a:endParaRPr lang="zh-TW" altLang="en-US"/>
+          </a:p>
+        </p:txBody>
+      </p:sp>
+      <p:sp>
+        <p:nvSpPr>
+          <p:cNvPr id="3" name="內容版面配置區 2"/>
+          <p:cNvSpPr>
+            <a:spLocks noGrp="1"/>
+          </p:cNvSpPr>
+          <p:nvPr>
+            <p:ph idx="1"/>
+          </p:nvPr>
+        </p:nvSpPr>
+        <p:spPr/>
+        <p:txBody>
+          <a:bodyPr/>
+          <a:lstStyle/>
+          <a:p>
+            <a:endParaRPr lang="zh-TW" altLang="en-US"/>
+          </a:p>
+        </p:txBody>
+      </p:sp>
+    </p:spTree>
+    <p:extLst>
+      <p:ext uri="{BB962C8B-B14F-4D97-AF65-F5344CB8AC3E}">
+        <p14:creationId xmlns:p14="http://schemas.microsoft.com/office/powerpoint/2010/main" val="51210429"/>
       </p:ext>
     </p:extLst>
   </p:cSld>

--- a/github_tutorial.pptx
+++ b/github_tutorial.pptx
@@ -9,9 +9,11 @@
     <p:sldId id="260" r:id="rId3"/>
     <p:sldId id="257" r:id="rId4"/>
     <p:sldId id="262" r:id="rId5"/>
-    <p:sldId id="261" r:id="rId6"/>
-    <p:sldId id="258" r:id="rId7"/>
-    <p:sldId id="259" r:id="rId8"/>
+    <p:sldId id="264" r:id="rId6"/>
+    <p:sldId id="263" r:id="rId7"/>
+    <p:sldId id="261" r:id="rId8"/>
+    <p:sldId id="258" r:id="rId9"/>
+    <p:sldId id="259" r:id="rId10"/>
   </p:sldIdLst>
   <p:sldSz cx="9144000" cy="6858000" type="screen4x3"/>
   <p:notesSz cx="6858000" cy="9144000"/>
@@ -3392,7 +3394,11 @@
           <a:bodyPr/>
           <a:lstStyle/>
           <a:p>
-            <a:endParaRPr lang="zh-TW" altLang="en-US"/>
+            <a:r>
+              <a:rPr lang="en-US" altLang="zh-TW" dirty="0" smtClean="0"/>
+              <a:t>branch</a:t>
+            </a:r>
+            <a:endParaRPr lang="zh-TW" altLang="en-US" dirty="0"/>
           </a:p>
         </p:txBody>
       </p:sp>
@@ -3411,7 +3417,73 @@
           <a:bodyPr/>
           <a:lstStyle/>
           <a:p>
-            <a:endParaRPr lang="zh-TW" altLang="en-US"/>
+            <a:r>
+              <a:rPr lang="en-US" altLang="zh-TW" dirty="0" err="1" smtClean="0"/>
+              <a:t>Git</a:t>
+            </a:r>
+            <a:r>
+              <a:rPr lang="en-US" altLang="zh-TW" dirty="0" smtClean="0"/>
+              <a:t> status(check branch &amp; untracked files)</a:t>
+            </a:r>
+          </a:p>
+          <a:p>
+            <a:r>
+              <a:rPr lang="en-US" altLang="zh-TW" dirty="0" err="1" smtClean="0"/>
+              <a:t>Git</a:t>
+            </a:r>
+            <a:r>
+              <a:rPr lang="en-US" altLang="zh-TW" dirty="0" smtClean="0"/>
+              <a:t> branch(list all branch)</a:t>
+            </a:r>
+          </a:p>
+          <a:p>
+            <a:r>
+              <a:rPr lang="en-US" altLang="zh-TW" dirty="0" err="1" smtClean="0"/>
+              <a:t>Git</a:t>
+            </a:r>
+            <a:r>
+              <a:rPr lang="en-US" altLang="zh-TW" dirty="0" smtClean="0"/>
+              <a:t> branch feature1(create feature1 branch)</a:t>
+            </a:r>
+          </a:p>
+          <a:p>
+            <a:r>
+              <a:rPr lang="en-US" altLang="zh-TW" dirty="0" err="1" smtClean="0"/>
+              <a:t>Git</a:t>
+            </a:r>
+            <a:r>
+              <a:rPr lang="en-US" altLang="zh-TW" dirty="0" smtClean="0"/>
+              <a:t> checkout feature1(switched to feature1)</a:t>
+            </a:r>
+          </a:p>
+          <a:p>
+            <a:r>
+              <a:rPr lang="en-US" altLang="zh-TW" dirty="0" err="1" smtClean="0"/>
+              <a:t>Git</a:t>
+            </a:r>
+            <a:r>
+              <a:rPr lang="en-US" altLang="zh-TW" dirty="0" smtClean="0"/>
+              <a:t> branch –d feature1(delete feature1 branch)</a:t>
+            </a:r>
+          </a:p>
+          <a:p>
+            <a:r>
+              <a:rPr lang="en-US" altLang="zh-TW" dirty="0" err="1" smtClean="0"/>
+              <a:t>Git</a:t>
+            </a:r>
+            <a:r>
+              <a:rPr lang="en-US" altLang="zh-TW" dirty="0" smtClean="0"/>
+              <a:t> branch –m feature1 FT1(rename </a:t>
+            </a:r>
+            <a:r>
+              <a:rPr lang="en-US" altLang="zh-TW" smtClean="0"/>
+              <a:t>feature1 as </a:t>
+            </a:r>
+            <a:r>
+              <a:rPr lang="en-US" altLang="zh-TW" dirty="0" smtClean="0"/>
+              <a:t>FT)</a:t>
+            </a:r>
+            <a:endParaRPr lang="zh-TW" altLang="en-US" dirty="0"/>
           </a:p>
         </p:txBody>
       </p:sp>
@@ -3461,8 +3533,8 @@
           <a:lstStyle/>
           <a:p>
             <a:r>
-              <a:rPr lang="en-US" altLang="zh-TW" dirty="0" err="1" smtClean="0"/>
-              <a:t>Github</a:t>
+              <a:rPr lang="en-US" altLang="zh-TW" dirty="0" smtClean="0"/>
+              <a:t>merge</a:t>
             </a:r>
             <a:endParaRPr lang="zh-TW" altLang="en-US" dirty="0"/>
           </a:p>
@@ -3483,14 +3555,14 @@
           <a:bodyPr/>
           <a:lstStyle/>
           <a:p>
-            <a:endParaRPr lang="zh-TW" altLang="en-US"/>
+            <a:endParaRPr lang="zh-TW" altLang="en-US" dirty="0"/>
           </a:p>
         </p:txBody>
       </p:sp>
     </p:spTree>
     <p:extLst>
       <p:ext uri="{BB962C8B-B14F-4D97-AF65-F5344CB8AC3E}">
-        <p14:creationId xmlns:p14="http://schemas.microsoft.com/office/powerpoint/2010/main" val="1156074623"/>
+        <p14:creationId xmlns:p14="http://schemas.microsoft.com/office/powerpoint/2010/main" val="1397135683"/>
       </p:ext>
     </p:extLst>
   </p:cSld>
@@ -3529,6 +3601,152 @@
         </p:nvSpPr>
         <p:spPr/>
         <p:txBody>
+          <a:bodyPr>
+            <a:normAutofit/>
+          </a:bodyPr>
+          <a:lstStyle/>
+          <a:p>
+            <a:r>
+              <a:rPr lang="en-US" altLang="zh-TW" dirty="0" smtClean="0"/>
+              <a:t>tag</a:t>
+            </a:r>
+            <a:endParaRPr lang="zh-TW" altLang="en-US" dirty="0"/>
+          </a:p>
+        </p:txBody>
+      </p:sp>
+      <p:sp>
+        <p:nvSpPr>
+          <p:cNvPr id="3" name="內容版面配置區 2"/>
+          <p:cNvSpPr>
+            <a:spLocks noGrp="1"/>
+          </p:cNvSpPr>
+          <p:nvPr>
+            <p:ph idx="1"/>
+          </p:nvPr>
+        </p:nvSpPr>
+        <p:spPr/>
+        <p:txBody>
+          <a:bodyPr/>
+          <a:lstStyle/>
+          <a:p>
+            <a:endParaRPr lang="zh-TW" altLang="en-US"/>
+          </a:p>
+        </p:txBody>
+      </p:sp>
+    </p:spTree>
+    <p:extLst>
+      <p:ext uri="{BB962C8B-B14F-4D97-AF65-F5344CB8AC3E}">
+        <p14:creationId xmlns:p14="http://schemas.microsoft.com/office/powerpoint/2010/main" val="1839351819"/>
+      </p:ext>
+    </p:extLst>
+  </p:cSld>
+  <p:clrMapOvr>
+    <a:masterClrMapping/>
+  </p:clrMapOvr>
+</p:sld>
+</file>
+
+<file path=ppt/slides/slide7.xml><?xml version="1.0" encoding="utf-8"?>
+<p:sld xmlns:a="http://schemas.openxmlformats.org/drawingml/2006/main" xmlns:r="http://schemas.openxmlformats.org/officeDocument/2006/relationships" xmlns:p="http://schemas.openxmlformats.org/presentationml/2006/main">
+  <p:cSld>
+    <p:spTree>
+      <p:nvGrpSpPr>
+        <p:cNvPr id="1" name=""/>
+        <p:cNvGrpSpPr/>
+        <p:nvPr/>
+      </p:nvGrpSpPr>
+      <p:grpSpPr>
+        <a:xfrm>
+          <a:off x="0" y="0"/>
+          <a:ext cx="0" cy="0"/>
+          <a:chOff x="0" y="0"/>
+          <a:chExt cx="0" cy="0"/>
+        </a:xfrm>
+      </p:grpSpPr>
+      <p:sp>
+        <p:nvSpPr>
+          <p:cNvPr id="2" name="標題 1"/>
+          <p:cNvSpPr>
+            <a:spLocks noGrp="1"/>
+          </p:cNvSpPr>
+          <p:nvPr>
+            <p:ph type="title"/>
+          </p:nvPr>
+        </p:nvSpPr>
+        <p:spPr/>
+        <p:txBody>
+          <a:bodyPr/>
+          <a:lstStyle/>
+          <a:p>
+            <a:r>
+              <a:rPr lang="en-US" altLang="zh-TW" dirty="0" err="1" smtClean="0"/>
+              <a:t>Github</a:t>
+            </a:r>
+            <a:endParaRPr lang="zh-TW" altLang="en-US" dirty="0"/>
+          </a:p>
+        </p:txBody>
+      </p:sp>
+      <p:sp>
+        <p:nvSpPr>
+          <p:cNvPr id="3" name="內容版面配置區 2"/>
+          <p:cNvSpPr>
+            <a:spLocks noGrp="1"/>
+          </p:cNvSpPr>
+          <p:nvPr>
+            <p:ph idx="1"/>
+          </p:nvPr>
+        </p:nvSpPr>
+        <p:spPr/>
+        <p:txBody>
+          <a:bodyPr/>
+          <a:lstStyle/>
+          <a:p>
+            <a:endParaRPr lang="zh-TW" altLang="en-US"/>
+          </a:p>
+        </p:txBody>
+      </p:sp>
+    </p:spTree>
+    <p:extLst>
+      <p:ext uri="{BB962C8B-B14F-4D97-AF65-F5344CB8AC3E}">
+        <p14:creationId xmlns:p14="http://schemas.microsoft.com/office/powerpoint/2010/main" val="1156074623"/>
+      </p:ext>
+    </p:extLst>
+  </p:cSld>
+  <p:clrMapOvr>
+    <a:masterClrMapping/>
+  </p:clrMapOvr>
+</p:sld>
+</file>
+
+<file path=ppt/slides/slide8.xml><?xml version="1.0" encoding="utf-8"?>
+<p:sld xmlns:a="http://schemas.openxmlformats.org/drawingml/2006/main" xmlns:r="http://schemas.openxmlformats.org/officeDocument/2006/relationships" xmlns:p="http://schemas.openxmlformats.org/presentationml/2006/main">
+  <p:cSld>
+    <p:spTree>
+      <p:nvGrpSpPr>
+        <p:cNvPr id="1" name=""/>
+        <p:cNvGrpSpPr/>
+        <p:nvPr/>
+      </p:nvGrpSpPr>
+      <p:grpSpPr>
+        <a:xfrm>
+          <a:off x="0" y="0"/>
+          <a:ext cx="0" cy="0"/>
+          <a:chOff x="0" y="0"/>
+          <a:chExt cx="0" cy="0"/>
+        </a:xfrm>
+      </p:grpSpPr>
+      <p:sp>
+        <p:nvSpPr>
+          <p:cNvPr id="2" name="標題 1"/>
+          <p:cNvSpPr>
+            <a:spLocks noGrp="1"/>
+          </p:cNvSpPr>
+          <p:nvPr>
+            <p:ph type="title"/>
+          </p:nvPr>
+        </p:nvSpPr>
+        <p:spPr/>
+        <p:txBody>
           <a:bodyPr/>
           <a:lstStyle/>
           <a:p>
@@ -3612,7 +3830,7 @@
 </p:sld>
 </file>
 
-<file path=ppt/slides/slide7.xml><?xml version="1.0" encoding="utf-8"?>
+<file path=ppt/slides/slide9.xml><?xml version="1.0" encoding="utf-8"?>
 <p:sld xmlns:a="http://schemas.openxmlformats.org/drawingml/2006/main" xmlns:r="http://schemas.openxmlformats.org/officeDocument/2006/relationships" xmlns:p="http://schemas.openxmlformats.org/presentationml/2006/main">
   <p:cSld>
     <p:spTree>

--- a/github_tutorial.pptx
+++ b/github_tutorial.pptx
@@ -6,14 +6,20 @@
   </p:sldMasterIdLst>
   <p:sldIdLst>
     <p:sldId id="256" r:id="rId2"/>
-    <p:sldId id="260" r:id="rId3"/>
-    <p:sldId id="257" r:id="rId4"/>
-    <p:sldId id="262" r:id="rId5"/>
-    <p:sldId id="264" r:id="rId6"/>
-    <p:sldId id="263" r:id="rId7"/>
-    <p:sldId id="261" r:id="rId8"/>
-    <p:sldId id="258" r:id="rId9"/>
-    <p:sldId id="259" r:id="rId10"/>
+    <p:sldId id="265" r:id="rId3"/>
+    <p:sldId id="260" r:id="rId4"/>
+    <p:sldId id="257" r:id="rId5"/>
+    <p:sldId id="266" r:id="rId6"/>
+    <p:sldId id="267" r:id="rId7"/>
+    <p:sldId id="268" r:id="rId8"/>
+    <p:sldId id="269" r:id="rId9"/>
+    <p:sldId id="262" r:id="rId10"/>
+    <p:sldId id="264" r:id="rId11"/>
+    <p:sldId id="270" r:id="rId12"/>
+    <p:sldId id="263" r:id="rId13"/>
+    <p:sldId id="261" r:id="rId14"/>
+    <p:sldId id="258" r:id="rId15"/>
+    <p:sldId id="259" r:id="rId16"/>
   </p:sldIdLst>
   <p:sldSz cx="9144000" cy="6858000" type="screen4x3"/>
   <p:notesSz cx="6858000" cy="9144000"/>
@@ -3094,6 +3100,765 @@
 </p:sld>
 </file>
 
+<file path=ppt/slides/slide10.xml><?xml version="1.0" encoding="utf-8"?>
+<p:sld xmlns:a="http://schemas.openxmlformats.org/drawingml/2006/main" xmlns:r="http://schemas.openxmlformats.org/officeDocument/2006/relationships" xmlns:p="http://schemas.openxmlformats.org/presentationml/2006/main">
+  <p:cSld>
+    <p:spTree>
+      <p:nvGrpSpPr>
+        <p:cNvPr id="1" name=""/>
+        <p:cNvGrpSpPr/>
+        <p:nvPr/>
+      </p:nvGrpSpPr>
+      <p:grpSpPr>
+        <a:xfrm>
+          <a:off x="0" y="0"/>
+          <a:ext cx="0" cy="0"/>
+          <a:chOff x="0" y="0"/>
+          <a:chExt cx="0" cy="0"/>
+        </a:xfrm>
+      </p:grpSpPr>
+      <p:sp>
+        <p:nvSpPr>
+          <p:cNvPr id="2" name="標題 1"/>
+          <p:cNvSpPr>
+            <a:spLocks noGrp="1"/>
+          </p:cNvSpPr>
+          <p:nvPr>
+            <p:ph type="title"/>
+          </p:nvPr>
+        </p:nvSpPr>
+        <p:spPr/>
+        <p:txBody>
+          <a:bodyPr/>
+          <a:lstStyle/>
+          <a:p>
+            <a:r>
+              <a:rPr lang="en-US" altLang="zh-TW" dirty="0" smtClean="0"/>
+              <a:t>merge</a:t>
+            </a:r>
+            <a:endParaRPr lang="zh-TW" altLang="en-US" dirty="0"/>
+          </a:p>
+        </p:txBody>
+      </p:sp>
+      <p:sp>
+        <p:nvSpPr>
+          <p:cNvPr id="3" name="內容版面配置區 2"/>
+          <p:cNvSpPr>
+            <a:spLocks noGrp="1"/>
+          </p:cNvSpPr>
+          <p:nvPr>
+            <p:ph idx="1"/>
+          </p:nvPr>
+        </p:nvSpPr>
+        <p:spPr/>
+        <p:txBody>
+          <a:bodyPr>
+            <a:normAutofit/>
+          </a:bodyPr>
+          <a:lstStyle/>
+          <a:p>
+            <a:pPr marL="0" indent="0">
+              <a:buNone/>
+            </a:pPr>
+            <a:r>
+              <a:rPr lang="zh-TW" altLang="en-US" dirty="0" smtClean="0"/>
+              <a:t>*裝況一</a:t>
+            </a:r>
+            <a:r>
+              <a:rPr lang="en-US" altLang="zh-TW" dirty="0" smtClean="0"/>
+              <a:t>:master </a:t>
+            </a:r>
+            <a:r>
+              <a:rPr lang="zh-TW" altLang="en-US" dirty="0" smtClean="0"/>
+              <a:t>沒有新</a:t>
+            </a:r>
+            <a:r>
+              <a:rPr lang="en-US" altLang="zh-TW" dirty="0" smtClean="0"/>
+              <a:t>commit</a:t>
+            </a:r>
+            <a:r>
+              <a:rPr lang="zh-TW" altLang="en-US" dirty="0"/>
+              <a:t>，</a:t>
+            </a:r>
+            <a:r>
+              <a:rPr lang="en-US" altLang="zh-TW" dirty="0" smtClean="0"/>
+              <a:t>branch </a:t>
+            </a:r>
+            <a:r>
+              <a:rPr lang="zh-TW" altLang="en-US" dirty="0" smtClean="0"/>
+              <a:t>有</a:t>
+            </a:r>
+            <a:r>
+              <a:rPr lang="en-US" altLang="zh-TW" dirty="0" smtClean="0"/>
+              <a:t> </a:t>
+            </a:r>
+          </a:p>
+          <a:p>
+            <a:r>
+              <a:rPr lang="en-US" altLang="zh-TW" dirty="0" err="1" smtClean="0"/>
+              <a:t>git</a:t>
+            </a:r>
+            <a:r>
+              <a:rPr lang="en-US" altLang="zh-TW" dirty="0" smtClean="0"/>
+              <a:t> checkout master(</a:t>
+            </a:r>
+            <a:r>
+              <a:rPr lang="zh-TW" altLang="en-US" dirty="0" smtClean="0"/>
+              <a:t>先回到</a:t>
+            </a:r>
+            <a:r>
+              <a:rPr lang="en-US" altLang="zh-TW" dirty="0" smtClean="0"/>
+              <a:t>master</a:t>
+            </a:r>
+            <a:r>
+              <a:rPr lang="zh-TW" altLang="en-US" dirty="0" smtClean="0"/>
+              <a:t>再去</a:t>
+            </a:r>
+            <a:r>
+              <a:rPr lang="en-US" altLang="zh-TW" dirty="0" smtClean="0"/>
+              <a:t>merge</a:t>
+            </a:r>
+            <a:r>
+              <a:rPr lang="zh-TW" altLang="en-US" dirty="0" smtClean="0"/>
+              <a:t>別的</a:t>
+            </a:r>
+            <a:r>
+              <a:rPr lang="en-US" altLang="zh-TW" dirty="0" smtClean="0"/>
+              <a:t>branch)</a:t>
+            </a:r>
+          </a:p>
+          <a:p>
+            <a:r>
+              <a:rPr lang="en-US" altLang="zh-TW" dirty="0" err="1"/>
+              <a:t>g</a:t>
+            </a:r>
+            <a:r>
+              <a:rPr lang="en-US" altLang="zh-TW" dirty="0" err="1" smtClean="0"/>
+              <a:t>it</a:t>
+            </a:r>
+            <a:r>
+              <a:rPr lang="en-US" altLang="zh-TW" dirty="0" smtClean="0"/>
+              <a:t> merge feature1(</a:t>
+            </a:r>
+            <a:r>
+              <a:rPr lang="zh-TW" altLang="en-US" dirty="0" smtClean="0"/>
+              <a:t>合併</a:t>
+            </a:r>
+            <a:r>
+              <a:rPr lang="en-US" altLang="zh-TW" dirty="0" smtClean="0"/>
+              <a:t>feature1 to master)</a:t>
+            </a:r>
+          </a:p>
+          <a:p>
+            <a:pPr marL="0" indent="0">
+              <a:buNone/>
+            </a:pPr>
+            <a:r>
+              <a:rPr lang="zh-TW" altLang="en-US" dirty="0" smtClean="0"/>
+              <a:t>*</a:t>
+            </a:r>
+            <a:r>
+              <a:rPr lang="zh-TW" altLang="en-US" dirty="0"/>
+              <a:t>裝</a:t>
+            </a:r>
+            <a:r>
+              <a:rPr lang="zh-TW" altLang="en-US" dirty="0" smtClean="0"/>
+              <a:t>況二</a:t>
+            </a:r>
+            <a:r>
+              <a:rPr lang="en-US" altLang="zh-TW" dirty="0" smtClean="0"/>
+              <a:t>:</a:t>
+            </a:r>
+            <a:r>
+              <a:rPr lang="en-US" altLang="zh-TW" dirty="0"/>
+              <a:t>master </a:t>
+            </a:r>
+            <a:r>
+              <a:rPr lang="zh-TW" altLang="en-US" dirty="0" smtClean="0"/>
+              <a:t>有</a:t>
+            </a:r>
+            <a:r>
+              <a:rPr lang="zh-TW" altLang="en-US" dirty="0"/>
+              <a:t>新</a:t>
+            </a:r>
+            <a:r>
+              <a:rPr lang="en-US" altLang="zh-TW" dirty="0" smtClean="0"/>
+              <a:t>commit</a:t>
+            </a:r>
+            <a:r>
+              <a:rPr lang="zh-TW" altLang="en-US" dirty="0" smtClean="0"/>
+              <a:t>，</a:t>
+            </a:r>
+            <a:r>
+              <a:rPr lang="en-US" altLang="zh-TW" dirty="0" smtClean="0"/>
+              <a:t>branch </a:t>
+            </a:r>
+            <a:r>
+              <a:rPr lang="zh-TW" altLang="en-US" dirty="0" smtClean="0"/>
+              <a:t>也有</a:t>
+            </a:r>
+            <a:r>
+              <a:rPr lang="en-US" altLang="zh-TW" dirty="0" smtClean="0"/>
+              <a:t> (</a:t>
+            </a:r>
+            <a:r>
+              <a:rPr lang="zh-TW" altLang="en-US" dirty="0" smtClean="0"/>
+              <a:t>內容無衝突</a:t>
+            </a:r>
+            <a:r>
+              <a:rPr lang="en-US" altLang="zh-TW" dirty="0" smtClean="0"/>
+              <a:t>)</a:t>
+            </a:r>
+          </a:p>
+          <a:p>
+            <a:pPr marL="0" indent="0">
+              <a:buNone/>
+            </a:pPr>
+            <a:r>
+              <a:rPr lang="zh-TW" altLang="en-US" dirty="0" smtClean="0"/>
+              <a:t>同裝況一操作</a:t>
+            </a:r>
+            <a:endParaRPr lang="en-US" altLang="zh-TW" dirty="0" smtClean="0"/>
+          </a:p>
+          <a:p>
+            <a:pPr marL="0" indent="0">
+              <a:buNone/>
+            </a:pPr>
+            <a:endParaRPr lang="zh-TW" altLang="en-US" dirty="0"/>
+          </a:p>
+        </p:txBody>
+      </p:sp>
+    </p:spTree>
+    <p:extLst>
+      <p:ext uri="{BB962C8B-B14F-4D97-AF65-F5344CB8AC3E}">
+        <p14:creationId xmlns:p14="http://schemas.microsoft.com/office/powerpoint/2010/main" val="1397135683"/>
+      </p:ext>
+    </p:extLst>
+  </p:cSld>
+  <p:clrMapOvr>
+    <a:masterClrMapping/>
+  </p:clrMapOvr>
+</p:sld>
+</file>
+
+<file path=ppt/slides/slide11.xml><?xml version="1.0" encoding="utf-8"?>
+<p:sld xmlns:a="http://schemas.openxmlformats.org/drawingml/2006/main" xmlns:r="http://schemas.openxmlformats.org/officeDocument/2006/relationships" xmlns:p="http://schemas.openxmlformats.org/presentationml/2006/main">
+  <p:cSld>
+    <p:spTree>
+      <p:nvGrpSpPr>
+        <p:cNvPr id="1" name=""/>
+        <p:cNvGrpSpPr/>
+        <p:nvPr/>
+      </p:nvGrpSpPr>
+      <p:grpSpPr>
+        <a:xfrm>
+          <a:off x="0" y="0"/>
+          <a:ext cx="0" cy="0"/>
+          <a:chOff x="0" y="0"/>
+          <a:chExt cx="0" cy="0"/>
+        </a:xfrm>
+      </p:grpSpPr>
+      <p:sp>
+        <p:nvSpPr>
+          <p:cNvPr id="2" name="標題 1"/>
+          <p:cNvSpPr>
+            <a:spLocks noGrp="1"/>
+          </p:cNvSpPr>
+          <p:nvPr>
+            <p:ph type="title"/>
+          </p:nvPr>
+        </p:nvSpPr>
+        <p:spPr/>
+        <p:txBody>
+          <a:bodyPr/>
+          <a:lstStyle/>
+          <a:p>
+            <a:endParaRPr lang="zh-TW" altLang="en-US"/>
+          </a:p>
+        </p:txBody>
+      </p:sp>
+      <p:sp>
+        <p:nvSpPr>
+          <p:cNvPr id="3" name="內容版面配置區 2"/>
+          <p:cNvSpPr>
+            <a:spLocks noGrp="1"/>
+          </p:cNvSpPr>
+          <p:nvPr>
+            <p:ph idx="1"/>
+          </p:nvPr>
+        </p:nvSpPr>
+        <p:spPr/>
+        <p:txBody>
+          <a:bodyPr/>
+          <a:lstStyle/>
+          <a:p>
+            <a:pPr marL="0" indent="0">
+              <a:buNone/>
+            </a:pPr>
+            <a:r>
+              <a:rPr lang="zh-TW" altLang="en-US" dirty="0"/>
+              <a:t>*裝</a:t>
+            </a:r>
+            <a:r>
+              <a:rPr lang="zh-TW" altLang="en-US" dirty="0" smtClean="0"/>
+              <a:t>況三</a:t>
+            </a:r>
+            <a:r>
+              <a:rPr lang="en-US" altLang="zh-TW" dirty="0" smtClean="0"/>
+              <a:t>:</a:t>
+            </a:r>
+            <a:r>
+              <a:rPr lang="en-US" altLang="zh-TW" dirty="0"/>
+              <a:t>master </a:t>
+            </a:r>
+            <a:r>
+              <a:rPr lang="zh-TW" altLang="en-US" dirty="0"/>
+              <a:t>有新</a:t>
+            </a:r>
+            <a:r>
+              <a:rPr lang="en-US" altLang="zh-TW" dirty="0"/>
+              <a:t>commit</a:t>
+            </a:r>
+            <a:r>
+              <a:rPr lang="zh-TW" altLang="en-US" dirty="0"/>
+              <a:t>，</a:t>
+            </a:r>
+            <a:r>
+              <a:rPr lang="en-US" altLang="zh-TW" dirty="0"/>
+              <a:t>branch </a:t>
+            </a:r>
+            <a:r>
+              <a:rPr lang="zh-TW" altLang="en-US" dirty="0"/>
+              <a:t>也有</a:t>
+            </a:r>
+            <a:r>
+              <a:rPr lang="en-US" altLang="zh-TW" dirty="0"/>
+              <a:t> </a:t>
+            </a:r>
+            <a:r>
+              <a:rPr lang="en-US" altLang="zh-TW" dirty="0" smtClean="0"/>
+              <a:t>(</a:t>
+            </a:r>
+            <a:r>
+              <a:rPr lang="zh-TW" altLang="en-US" dirty="0" smtClean="0"/>
+              <a:t>內容有衝突</a:t>
+            </a:r>
+            <a:r>
+              <a:rPr lang="en-US" altLang="zh-TW" dirty="0"/>
+              <a:t>)</a:t>
+            </a:r>
+          </a:p>
+          <a:p>
+            <a:r>
+              <a:rPr lang="zh-TW" altLang="en-US" dirty="0" smtClean="0"/>
+              <a:t>同狀況一操作</a:t>
+            </a:r>
+            <a:endParaRPr lang="en-US" altLang="zh-TW" dirty="0" smtClean="0"/>
+          </a:p>
+          <a:p>
+            <a:r>
+              <a:rPr lang="en-US" altLang="zh-TW" dirty="0" smtClean="0"/>
+              <a:t>Merge command </a:t>
+            </a:r>
+            <a:r>
+              <a:rPr lang="zh-TW" altLang="en-US" dirty="0" smtClean="0"/>
+              <a:t>送出後會出現自動合併出現問題，打開</a:t>
+            </a:r>
+            <a:r>
+              <a:rPr lang="en-US" altLang="zh-TW" dirty="0" smtClean="0"/>
+              <a:t>file</a:t>
+            </a:r>
+            <a:r>
+              <a:rPr lang="zh-TW" altLang="en-US" dirty="0" smtClean="0"/>
+              <a:t>在標記有問題的地方修改。</a:t>
+            </a:r>
+            <a:endParaRPr lang="en-US" altLang="zh-TW" dirty="0" smtClean="0"/>
+          </a:p>
+          <a:p>
+            <a:r>
+              <a:rPr lang="en-US" altLang="zh-TW" dirty="0" err="1"/>
+              <a:t>g</a:t>
+            </a:r>
+            <a:r>
+              <a:rPr lang="en-US" altLang="zh-TW" dirty="0" err="1" smtClean="0"/>
+              <a:t>it</a:t>
+            </a:r>
+            <a:r>
+              <a:rPr lang="en-US" altLang="zh-TW" dirty="0" smtClean="0"/>
+              <a:t> add .</a:t>
+            </a:r>
+          </a:p>
+          <a:p>
+            <a:r>
+              <a:rPr lang="en-US" altLang="zh-TW" dirty="0" err="1"/>
+              <a:t>g</a:t>
+            </a:r>
+            <a:r>
+              <a:rPr lang="en-US" altLang="zh-TW" dirty="0" err="1" smtClean="0"/>
+              <a:t>it</a:t>
+            </a:r>
+            <a:r>
+              <a:rPr lang="en-US" altLang="zh-TW" dirty="0" smtClean="0"/>
+              <a:t> commit –m ”</a:t>
+            </a:r>
+            <a:r>
+              <a:rPr lang="en-US" altLang="zh-TW" dirty="0" err="1" smtClean="0"/>
+              <a:t>xxxx</a:t>
+            </a:r>
+            <a:r>
+              <a:rPr lang="en-US" altLang="zh-TW" dirty="0" smtClean="0"/>
+              <a:t>”(</a:t>
+            </a:r>
+            <a:r>
+              <a:rPr lang="zh-TW" altLang="en-US" dirty="0" smtClean="0"/>
+              <a:t>以手動</a:t>
+            </a:r>
+            <a:r>
+              <a:rPr lang="en-US" altLang="zh-TW" dirty="0" smtClean="0"/>
+              <a:t>commit merge)</a:t>
+            </a:r>
+          </a:p>
+        </p:txBody>
+      </p:sp>
+    </p:spTree>
+    <p:extLst>
+      <p:ext uri="{BB962C8B-B14F-4D97-AF65-F5344CB8AC3E}">
+        <p14:creationId xmlns:p14="http://schemas.microsoft.com/office/powerpoint/2010/main" val="840009163"/>
+      </p:ext>
+    </p:extLst>
+  </p:cSld>
+  <p:clrMapOvr>
+    <a:masterClrMapping/>
+  </p:clrMapOvr>
+</p:sld>
+</file>
+
+<file path=ppt/slides/slide12.xml><?xml version="1.0" encoding="utf-8"?>
+<p:sld xmlns:a="http://schemas.openxmlformats.org/drawingml/2006/main" xmlns:r="http://schemas.openxmlformats.org/officeDocument/2006/relationships" xmlns:p="http://schemas.openxmlformats.org/presentationml/2006/main">
+  <p:cSld>
+    <p:spTree>
+      <p:nvGrpSpPr>
+        <p:cNvPr id="1" name=""/>
+        <p:cNvGrpSpPr/>
+        <p:nvPr/>
+      </p:nvGrpSpPr>
+      <p:grpSpPr>
+        <a:xfrm>
+          <a:off x="0" y="0"/>
+          <a:ext cx="0" cy="0"/>
+          <a:chOff x="0" y="0"/>
+          <a:chExt cx="0" cy="0"/>
+        </a:xfrm>
+      </p:grpSpPr>
+      <p:sp>
+        <p:nvSpPr>
+          <p:cNvPr id="2" name="標題 1"/>
+          <p:cNvSpPr>
+            <a:spLocks noGrp="1"/>
+          </p:cNvSpPr>
+          <p:nvPr>
+            <p:ph type="title"/>
+          </p:nvPr>
+        </p:nvSpPr>
+        <p:spPr/>
+        <p:txBody>
+          <a:bodyPr>
+            <a:normAutofit/>
+          </a:bodyPr>
+          <a:lstStyle/>
+          <a:p>
+            <a:r>
+              <a:rPr lang="en-US" altLang="zh-TW" dirty="0" smtClean="0"/>
+              <a:t>tag</a:t>
+            </a:r>
+            <a:endParaRPr lang="zh-TW" altLang="en-US" dirty="0"/>
+          </a:p>
+        </p:txBody>
+      </p:sp>
+      <p:sp>
+        <p:nvSpPr>
+          <p:cNvPr id="3" name="內容版面配置區 2"/>
+          <p:cNvSpPr>
+            <a:spLocks noGrp="1"/>
+          </p:cNvSpPr>
+          <p:nvPr>
+            <p:ph idx="1"/>
+          </p:nvPr>
+        </p:nvSpPr>
+        <p:spPr/>
+        <p:txBody>
+          <a:bodyPr/>
+          <a:lstStyle/>
+          <a:p>
+            <a:endParaRPr lang="zh-TW" altLang="en-US"/>
+          </a:p>
+        </p:txBody>
+      </p:sp>
+    </p:spTree>
+    <p:extLst>
+      <p:ext uri="{BB962C8B-B14F-4D97-AF65-F5344CB8AC3E}">
+        <p14:creationId xmlns:p14="http://schemas.microsoft.com/office/powerpoint/2010/main" val="1839351819"/>
+      </p:ext>
+    </p:extLst>
+  </p:cSld>
+  <p:clrMapOvr>
+    <a:masterClrMapping/>
+  </p:clrMapOvr>
+</p:sld>
+</file>
+
+<file path=ppt/slides/slide13.xml><?xml version="1.0" encoding="utf-8"?>
+<p:sld xmlns:a="http://schemas.openxmlformats.org/drawingml/2006/main" xmlns:r="http://schemas.openxmlformats.org/officeDocument/2006/relationships" xmlns:p="http://schemas.openxmlformats.org/presentationml/2006/main">
+  <p:cSld>
+    <p:spTree>
+      <p:nvGrpSpPr>
+        <p:cNvPr id="1" name=""/>
+        <p:cNvGrpSpPr/>
+        <p:nvPr/>
+      </p:nvGrpSpPr>
+      <p:grpSpPr>
+        <a:xfrm>
+          <a:off x="0" y="0"/>
+          <a:ext cx="0" cy="0"/>
+          <a:chOff x="0" y="0"/>
+          <a:chExt cx="0" cy="0"/>
+        </a:xfrm>
+      </p:grpSpPr>
+      <p:sp>
+        <p:nvSpPr>
+          <p:cNvPr id="2" name="標題 1"/>
+          <p:cNvSpPr>
+            <a:spLocks noGrp="1"/>
+          </p:cNvSpPr>
+          <p:nvPr>
+            <p:ph type="title"/>
+          </p:nvPr>
+        </p:nvSpPr>
+        <p:spPr/>
+        <p:txBody>
+          <a:bodyPr/>
+          <a:lstStyle/>
+          <a:p>
+            <a:r>
+              <a:rPr lang="en-US" altLang="zh-TW" dirty="0" err="1" smtClean="0"/>
+              <a:t>Github</a:t>
+            </a:r>
+            <a:endParaRPr lang="zh-TW" altLang="en-US" dirty="0"/>
+          </a:p>
+        </p:txBody>
+      </p:sp>
+      <p:sp>
+        <p:nvSpPr>
+          <p:cNvPr id="3" name="內容版面配置區 2"/>
+          <p:cNvSpPr>
+            <a:spLocks noGrp="1"/>
+          </p:cNvSpPr>
+          <p:nvPr>
+            <p:ph idx="1"/>
+          </p:nvPr>
+        </p:nvSpPr>
+        <p:spPr/>
+        <p:txBody>
+          <a:bodyPr/>
+          <a:lstStyle/>
+          <a:p>
+            <a:endParaRPr lang="zh-TW" altLang="en-US"/>
+          </a:p>
+        </p:txBody>
+      </p:sp>
+    </p:spTree>
+    <p:extLst>
+      <p:ext uri="{BB962C8B-B14F-4D97-AF65-F5344CB8AC3E}">
+        <p14:creationId xmlns:p14="http://schemas.microsoft.com/office/powerpoint/2010/main" val="1156074623"/>
+      </p:ext>
+    </p:extLst>
+  </p:cSld>
+  <p:clrMapOvr>
+    <a:masterClrMapping/>
+  </p:clrMapOvr>
+</p:sld>
+</file>
+
+<file path=ppt/slides/slide14.xml><?xml version="1.0" encoding="utf-8"?>
+<p:sld xmlns:a="http://schemas.openxmlformats.org/drawingml/2006/main" xmlns:r="http://schemas.openxmlformats.org/officeDocument/2006/relationships" xmlns:p="http://schemas.openxmlformats.org/presentationml/2006/main">
+  <p:cSld>
+    <p:spTree>
+      <p:nvGrpSpPr>
+        <p:cNvPr id="1" name=""/>
+        <p:cNvGrpSpPr/>
+        <p:nvPr/>
+      </p:nvGrpSpPr>
+      <p:grpSpPr>
+        <a:xfrm>
+          <a:off x="0" y="0"/>
+          <a:ext cx="0" cy="0"/>
+          <a:chOff x="0" y="0"/>
+          <a:chExt cx="0" cy="0"/>
+        </a:xfrm>
+      </p:grpSpPr>
+      <p:sp>
+        <p:nvSpPr>
+          <p:cNvPr id="2" name="標題 1"/>
+          <p:cNvSpPr>
+            <a:spLocks noGrp="1"/>
+          </p:cNvSpPr>
+          <p:nvPr>
+            <p:ph type="title"/>
+          </p:nvPr>
+        </p:nvSpPr>
+        <p:spPr/>
+        <p:txBody>
+          <a:bodyPr/>
+          <a:lstStyle/>
+          <a:p>
+            <a:endParaRPr lang="zh-TW" altLang="en-US"/>
+          </a:p>
+        </p:txBody>
+      </p:sp>
+      <p:sp>
+        <p:nvSpPr>
+          <p:cNvPr id="3" name="內容版面配置區 2"/>
+          <p:cNvSpPr>
+            <a:spLocks noGrp="1"/>
+          </p:cNvSpPr>
+          <p:nvPr>
+            <p:ph idx="1"/>
+          </p:nvPr>
+        </p:nvSpPr>
+        <p:spPr/>
+        <p:txBody>
+          <a:bodyPr/>
+          <a:lstStyle/>
+          <a:p>
+            <a:r>
+              <a:rPr lang="en-US" altLang="zh-TW" dirty="0" err="1" smtClean="0"/>
+              <a:t>git</a:t>
+            </a:r>
+            <a:r>
+              <a:rPr lang="en-US" altLang="zh-TW" dirty="0" smtClean="0"/>
+              <a:t> clone (clone repository to local) </a:t>
+            </a:r>
+          </a:p>
+          <a:p>
+            <a:r>
+              <a:rPr lang="en-US" altLang="zh-TW" dirty="0" err="1" smtClean="0"/>
+              <a:t>git</a:t>
+            </a:r>
+            <a:r>
+              <a:rPr lang="en-US" altLang="zh-TW" dirty="0" smtClean="0"/>
+              <a:t> push(push local repository to </a:t>
+            </a:r>
+            <a:r>
+              <a:rPr lang="en-US" altLang="zh-TW" dirty="0" err="1" smtClean="0"/>
+              <a:t>github</a:t>
+            </a:r>
+            <a:r>
+              <a:rPr lang="en-US" altLang="zh-TW" dirty="0" smtClean="0"/>
+              <a:t>)</a:t>
+            </a:r>
+          </a:p>
+          <a:p>
+            <a:r>
+              <a:rPr lang="en-US" altLang="zh-TW" dirty="0" err="1" smtClean="0"/>
+              <a:t>git</a:t>
+            </a:r>
+            <a:r>
+              <a:rPr lang="en-US" altLang="zh-TW" dirty="0" smtClean="0"/>
+              <a:t> pull (pull repository from </a:t>
+            </a:r>
+            <a:r>
+              <a:rPr lang="en-US" altLang="zh-TW" dirty="0" err="1" smtClean="0"/>
+              <a:t>github</a:t>
+            </a:r>
+            <a:r>
+              <a:rPr lang="en-US" altLang="zh-TW" dirty="0" smtClean="0"/>
+              <a:t>)</a:t>
+            </a:r>
+            <a:endParaRPr lang="zh-TW" altLang="en-US" dirty="0"/>
+          </a:p>
+        </p:txBody>
+      </p:sp>
+    </p:spTree>
+    <p:extLst>
+      <p:ext uri="{BB962C8B-B14F-4D97-AF65-F5344CB8AC3E}">
+        <p14:creationId xmlns:p14="http://schemas.microsoft.com/office/powerpoint/2010/main" val="1434660974"/>
+      </p:ext>
+    </p:extLst>
+  </p:cSld>
+  <p:clrMapOvr>
+    <a:masterClrMapping/>
+  </p:clrMapOvr>
+</p:sld>
+</file>
+
+<file path=ppt/slides/slide15.xml><?xml version="1.0" encoding="utf-8"?>
+<p:sld xmlns:a="http://schemas.openxmlformats.org/drawingml/2006/main" xmlns:r="http://schemas.openxmlformats.org/officeDocument/2006/relationships" xmlns:p="http://schemas.openxmlformats.org/presentationml/2006/main">
+  <p:cSld>
+    <p:spTree>
+      <p:nvGrpSpPr>
+        <p:cNvPr id="1" name=""/>
+        <p:cNvGrpSpPr/>
+        <p:nvPr/>
+      </p:nvGrpSpPr>
+      <p:grpSpPr>
+        <a:xfrm>
+          <a:off x="0" y="0"/>
+          <a:ext cx="0" cy="0"/>
+          <a:chOff x="0" y="0"/>
+          <a:chExt cx="0" cy="0"/>
+        </a:xfrm>
+      </p:grpSpPr>
+      <p:sp>
+        <p:nvSpPr>
+          <p:cNvPr id="2" name="標題 1"/>
+          <p:cNvSpPr>
+            <a:spLocks noGrp="1"/>
+          </p:cNvSpPr>
+          <p:nvPr>
+            <p:ph type="title"/>
+          </p:nvPr>
+        </p:nvSpPr>
+        <p:spPr/>
+        <p:txBody>
+          <a:bodyPr/>
+          <a:lstStyle/>
+          <a:p>
+            <a:endParaRPr lang="zh-TW" altLang="en-US"/>
+          </a:p>
+        </p:txBody>
+      </p:sp>
+      <p:sp>
+        <p:nvSpPr>
+          <p:cNvPr id="3" name="內容版面配置區 2"/>
+          <p:cNvSpPr>
+            <a:spLocks noGrp="1"/>
+          </p:cNvSpPr>
+          <p:nvPr>
+            <p:ph idx="1"/>
+          </p:nvPr>
+        </p:nvSpPr>
+        <p:spPr/>
+        <p:txBody>
+          <a:bodyPr/>
+          <a:lstStyle/>
+          <a:p>
+            <a:endParaRPr lang="zh-TW" altLang="en-US"/>
+          </a:p>
+        </p:txBody>
+      </p:sp>
+    </p:spTree>
+    <p:extLst>
+      <p:ext uri="{BB962C8B-B14F-4D97-AF65-F5344CB8AC3E}">
+        <p14:creationId xmlns:p14="http://schemas.microsoft.com/office/powerpoint/2010/main" val="51210429"/>
+      </p:ext>
+    </p:extLst>
+  </p:cSld>
+  <p:clrMapOvr>
+    <a:masterClrMapping/>
+  </p:clrMapOvr>
+</p:sld>
+</file>
+
 <file path=ppt/slides/slide2.xml><?xml version="1.0" encoding="utf-8"?>
 <p:sld xmlns:a="http://schemas.openxmlformats.org/drawingml/2006/main" xmlns:r="http://schemas.openxmlformats.org/officeDocument/2006/relationships" xmlns:p="http://schemas.openxmlformats.org/presentationml/2006/main">
   <p:cSld>
@@ -3126,11 +3891,7 @@
           <a:bodyPr/>
           <a:lstStyle/>
           <a:p>
-            <a:r>
-              <a:rPr lang="en-US" altLang="zh-TW" dirty="0" err="1" smtClean="0"/>
-              <a:t>Git</a:t>
-            </a:r>
-            <a:endParaRPr lang="zh-TW" altLang="en-US" dirty="0"/>
+            <a:endParaRPr lang="zh-TW" altLang="en-US"/>
           </a:p>
         </p:txBody>
       </p:sp>
@@ -3153,10 +3914,64 @@
           </a:p>
         </p:txBody>
       </p:sp>
+      <p:pic>
+        <p:nvPicPr>
+          <p:cNvPr id="1026" name="Picture 2"/>
+          <p:cNvPicPr>
+            <a:picLocks noChangeAspect="1" noChangeArrowheads="1"/>
+          </p:cNvPicPr>
+          <p:nvPr/>
+        </p:nvPicPr>
+        <p:blipFill>
+          <a:blip r:embed="rId2">
+            <a:extLst>
+              <a:ext uri="{28A0092B-C50C-407E-A947-70E740481C1C}">
+                <a14:useLocalDpi xmlns:a14="http://schemas.microsoft.com/office/drawing/2010/main" val="0"/>
+              </a:ext>
+            </a:extLst>
+          </a:blip>
+          <a:srcRect/>
+          <a:stretch>
+            <a:fillRect/>
+          </a:stretch>
+        </p:blipFill>
+        <p:spPr bwMode="auto">
+          <a:xfrm>
+            <a:off x="0" y="2086340"/>
+            <a:ext cx="9144000" cy="2757124"/>
+          </a:xfrm>
+          <a:prstGeom prst="rect">
+            <a:avLst/>
+          </a:prstGeom>
+          <a:noFill/>
+          <a:ln>
+            <a:noFill/>
+          </a:ln>
+          <a:extLst>
+            <a:ext uri="{909E8E84-426E-40DD-AFC4-6F175D3DCCD1}">
+              <a14:hiddenFill xmlns:a14="http://schemas.microsoft.com/office/drawing/2010/main">
+                <a:solidFill>
+                  <a:schemeClr val="accent1"/>
+                </a:solidFill>
+              </a14:hiddenFill>
+            </a:ext>
+            <a:ext uri="{91240B29-F687-4F45-9708-019B960494DF}">
+              <a14:hiddenLine xmlns:a14="http://schemas.microsoft.com/office/drawing/2010/main" w="9525">
+                <a:solidFill>
+                  <a:schemeClr val="tx1"/>
+                </a:solidFill>
+                <a:miter lim="800000"/>
+                <a:headEnd/>
+                <a:tailEnd/>
+              </a14:hiddenLine>
+            </a:ext>
+          </a:extLst>
+        </p:spPr>
+      </p:pic>
     </p:spTree>
     <p:extLst>
       <p:ext uri="{BB962C8B-B14F-4D97-AF65-F5344CB8AC3E}">
-        <p14:creationId xmlns:p14="http://schemas.microsoft.com/office/powerpoint/2010/main" val="3338843509"/>
+        <p14:creationId xmlns:p14="http://schemas.microsoft.com/office/powerpoint/2010/main" val="124865069"/>
       </p:ext>
     </p:extLst>
   </p:cSld>
@@ -3199,8 +4014,8 @@
           <a:lstStyle/>
           <a:p>
             <a:r>
-              <a:rPr lang="en-US" altLang="zh-TW" dirty="0" smtClean="0"/>
-              <a:t>Create local repository</a:t>
+              <a:rPr lang="en-US" altLang="zh-TW" dirty="0" err="1" smtClean="0"/>
+              <a:t>Git</a:t>
             </a:r>
             <a:endParaRPr lang="zh-TW" altLang="en-US" dirty="0"/>
           </a:p>
@@ -3218,141 +4033,17 @@
         </p:nvSpPr>
         <p:spPr/>
         <p:txBody>
-          <a:bodyPr>
-            <a:normAutofit lnSpcReduction="10000"/>
-          </a:bodyPr>
-          <a:lstStyle/>
-          <a:p>
-            <a:pPr marL="0" indent="0">
-              <a:buNone/>
-            </a:pPr>
-            <a:r>
-              <a:rPr lang="en-US" altLang="zh-TW" dirty="0" err="1" smtClean="0"/>
-              <a:t>mkdir</a:t>
-            </a:r>
-            <a:r>
-              <a:rPr lang="en-US" altLang="zh-TW" dirty="0" smtClean="0"/>
-              <a:t> project(create project folder)</a:t>
-            </a:r>
-          </a:p>
-          <a:p>
-            <a:pPr marL="0" indent="0">
-              <a:buNone/>
-            </a:pPr>
-            <a:r>
-              <a:rPr lang="en-US" altLang="zh-TW" dirty="0" smtClean="0"/>
-              <a:t>cd project(move into project folder)</a:t>
-            </a:r>
-          </a:p>
-          <a:p>
-            <a:pPr marL="0" indent="0">
-              <a:buNone/>
-            </a:pPr>
-            <a:r>
-              <a:rPr lang="en-US" altLang="zh-TW" dirty="0" err="1" smtClean="0"/>
-              <a:t>git</a:t>
-            </a:r>
-            <a:r>
-              <a:rPr lang="en-US" altLang="zh-TW" dirty="0" smtClean="0"/>
-              <a:t> </a:t>
-            </a:r>
-            <a:r>
-              <a:rPr lang="en-US" altLang="zh-TW" dirty="0" err="1" smtClean="0"/>
-              <a:t>init</a:t>
-            </a:r>
-            <a:r>
-              <a:rPr lang="en-US" altLang="zh-TW" dirty="0" smtClean="0"/>
-              <a:t>(initial local </a:t>
-            </a:r>
-            <a:r>
-              <a:rPr lang="en-US" altLang="zh-TW" dirty="0" err="1" smtClean="0"/>
-              <a:t>git</a:t>
-            </a:r>
-            <a:r>
-              <a:rPr lang="en-US" altLang="zh-TW" dirty="0" smtClean="0"/>
-              <a:t>)</a:t>
-            </a:r>
-          </a:p>
-          <a:p>
-            <a:pPr marL="0" indent="0">
-              <a:buNone/>
-            </a:pPr>
-            <a:r>
-              <a:rPr lang="en-US" altLang="zh-TW" dirty="0" smtClean="0"/>
-              <a:t>touch test.txt(create test.txt)</a:t>
-            </a:r>
-          </a:p>
-          <a:p>
-            <a:pPr marL="0" indent="0">
-              <a:buNone/>
-            </a:pPr>
-            <a:r>
-              <a:rPr lang="en-US" altLang="zh-TW" dirty="0" err="1"/>
-              <a:t>g</a:t>
-            </a:r>
-            <a:r>
-              <a:rPr lang="en-US" altLang="zh-TW" dirty="0" err="1" smtClean="0"/>
-              <a:t>it</a:t>
-            </a:r>
-            <a:r>
-              <a:rPr lang="en-US" altLang="zh-TW" dirty="0" smtClean="0"/>
-              <a:t> status(check  untrack file)</a:t>
-            </a:r>
-          </a:p>
-          <a:p>
-            <a:pPr marL="0" indent="0">
-              <a:buNone/>
-            </a:pPr>
-            <a:r>
-              <a:rPr lang="en-US" altLang="zh-TW" dirty="0" err="1"/>
-              <a:t>g</a:t>
-            </a:r>
-            <a:r>
-              <a:rPr lang="en-US" altLang="zh-TW" dirty="0" err="1" smtClean="0"/>
-              <a:t>it</a:t>
-            </a:r>
-            <a:r>
-              <a:rPr lang="en-US" altLang="zh-TW" dirty="0" smtClean="0"/>
-              <a:t> add .(track file)</a:t>
-            </a:r>
-          </a:p>
-          <a:p>
-            <a:pPr marL="0" indent="0">
-              <a:buNone/>
-            </a:pPr>
-            <a:r>
-              <a:rPr lang="en-US" altLang="zh-TW" dirty="0" err="1" smtClean="0"/>
-              <a:t>git</a:t>
-            </a:r>
-            <a:r>
-              <a:rPr lang="en-US" altLang="zh-TW" dirty="0" smtClean="0"/>
-              <a:t> commit  –m “commit description”</a:t>
-            </a:r>
-          </a:p>
-          <a:p>
-            <a:pPr marL="0" indent="0">
-              <a:buNone/>
-            </a:pPr>
-            <a:r>
-              <a:rPr lang="en-US" altLang="zh-TW" dirty="0" err="1"/>
-              <a:t>g</a:t>
-            </a:r>
-            <a:r>
-              <a:rPr lang="en-US" altLang="zh-TW" dirty="0" err="1" smtClean="0"/>
-              <a:t>it</a:t>
-            </a:r>
-            <a:r>
-              <a:rPr lang="en-US" altLang="zh-TW" dirty="0" smtClean="0"/>
-              <a:t> log(check commit history)</a:t>
-            </a:r>
-            <a:endParaRPr lang="zh-TW" altLang="en-US" dirty="0"/>
+          <a:bodyPr/>
+          <a:lstStyle/>
+          <a:p>
+            <a:endParaRPr lang="zh-TW" altLang="en-US"/>
           </a:p>
         </p:txBody>
       </p:sp>
     </p:spTree>
     <p:extLst>
       <p:ext uri="{BB962C8B-B14F-4D97-AF65-F5344CB8AC3E}">
-        <p14:creationId xmlns:p14="http://schemas.microsoft.com/office/powerpoint/2010/main" val="2428529176"/>
+        <p14:creationId xmlns:p14="http://schemas.microsoft.com/office/powerpoint/2010/main" val="3338843509"/>
       </p:ext>
     </p:extLst>
   </p:cSld>
@@ -3396,7 +4087,7 @@
           <a:p>
             <a:r>
               <a:rPr lang="en-US" altLang="zh-TW" dirty="0" smtClean="0"/>
-              <a:t>branch</a:t>
+              <a:t>Create local repository</a:t>
             </a:r>
             <a:endParaRPr lang="zh-TW" altLang="en-US" dirty="0"/>
           </a:p>
@@ -3414,74 +4105,137 @@
         </p:nvSpPr>
         <p:spPr/>
         <p:txBody>
-          <a:bodyPr/>
-          <a:lstStyle/>
-          <a:p>
+          <a:bodyPr>
+            <a:normAutofit lnSpcReduction="10000"/>
+          </a:bodyPr>
+          <a:lstStyle/>
+          <a:p>
+            <a:pPr marL="0" indent="0">
+              <a:buNone/>
+            </a:pPr>
             <a:r>
               <a:rPr lang="en-US" altLang="zh-TW" dirty="0" err="1" smtClean="0"/>
-              <a:t>Git</a:t>
-            </a:r>
-            <a:r>
-              <a:rPr lang="en-US" altLang="zh-TW" dirty="0" smtClean="0"/>
-              <a:t> status(check branch &amp; untracked files)</a:t>
-            </a:r>
-          </a:p>
-          <a:p>
+              <a:t>mkdir</a:t>
+            </a:r>
+            <a:r>
+              <a:rPr lang="en-US" altLang="zh-TW" dirty="0" smtClean="0"/>
+              <a:t> project(create project folder)</a:t>
+            </a:r>
+          </a:p>
+          <a:p>
+            <a:pPr marL="0" indent="0">
+              <a:buNone/>
+            </a:pPr>
+            <a:r>
+              <a:rPr lang="en-US" altLang="zh-TW" dirty="0" smtClean="0"/>
+              <a:t>cd project(move into project folder)</a:t>
+            </a:r>
+          </a:p>
+          <a:p>
+            <a:pPr marL="0" indent="0">
+              <a:buNone/>
+            </a:pPr>
             <a:r>
               <a:rPr lang="en-US" altLang="zh-TW" dirty="0" err="1" smtClean="0"/>
-              <a:t>Git</a:t>
-            </a:r>
-            <a:r>
-              <a:rPr lang="en-US" altLang="zh-TW" dirty="0" smtClean="0"/>
-              <a:t> branch(list all branch)</a:t>
-            </a:r>
-          </a:p>
-          <a:p>
+              <a:t>git</a:t>
+            </a:r>
+            <a:r>
+              <a:rPr lang="en-US" altLang="zh-TW" dirty="0" smtClean="0"/>
+              <a:t> </a:t>
+            </a:r>
             <a:r>
               <a:rPr lang="en-US" altLang="zh-TW" dirty="0" err="1" smtClean="0"/>
-              <a:t>Git</a:t>
-            </a:r>
-            <a:r>
-              <a:rPr lang="en-US" altLang="zh-TW" dirty="0" smtClean="0"/>
-              <a:t> branch feature1(create feature1 branch)</a:t>
-            </a:r>
-          </a:p>
-          <a:p>
+              <a:t>init</a:t>
+            </a:r>
+            <a:r>
+              <a:rPr lang="en-US" altLang="zh-TW" dirty="0" smtClean="0"/>
+              <a:t>(initial local </a:t>
+            </a:r>
             <a:r>
               <a:rPr lang="en-US" altLang="zh-TW" dirty="0" err="1" smtClean="0"/>
-              <a:t>Git</a:t>
-            </a:r>
-            <a:r>
-              <a:rPr lang="en-US" altLang="zh-TW" dirty="0" smtClean="0"/>
-              <a:t> checkout feature1(switched to feature1)</a:t>
-            </a:r>
-          </a:p>
-          <a:p>
+              <a:t>git</a:t>
+            </a:r>
+            <a:r>
+              <a:rPr lang="en-US" altLang="zh-TW" dirty="0" smtClean="0"/>
+              <a:t>)</a:t>
+            </a:r>
+          </a:p>
+          <a:p>
+            <a:pPr marL="0" indent="0">
+              <a:buNone/>
+            </a:pPr>
+            <a:r>
+              <a:rPr lang="en-US" altLang="zh-TW" dirty="0" smtClean="0"/>
+              <a:t>touch test.txt(create test.txt)</a:t>
+            </a:r>
+          </a:p>
+          <a:p>
+            <a:pPr marL="0" indent="0">
+              <a:buNone/>
+            </a:pPr>
+            <a:r>
+              <a:rPr lang="en-US" altLang="zh-TW" dirty="0" err="1"/>
+              <a:t>g</a:t>
+            </a:r>
             <a:r>
               <a:rPr lang="en-US" altLang="zh-TW" dirty="0" err="1" smtClean="0"/>
-              <a:t>Git</a:t>
-            </a:r>
-            <a:r>
-              <a:rPr lang="en-US" altLang="zh-TW" dirty="0" smtClean="0"/>
-              <a:t> branch –d feature1(delete feature1 branch)</a:t>
-            </a:r>
-          </a:p>
-          <a:p>
+              <a:t>it</a:t>
+            </a:r>
+            <a:r>
+              <a:rPr lang="en-US" altLang="zh-TW" dirty="0" smtClean="0"/>
+              <a:t> status(check  untrack file)</a:t>
+            </a:r>
+          </a:p>
+          <a:p>
+            <a:pPr marL="0" indent="0">
+              <a:buNone/>
+            </a:pPr>
+            <a:r>
+              <a:rPr lang="en-US" altLang="zh-TW" dirty="0" err="1"/>
+              <a:t>g</a:t>
+            </a:r>
             <a:r>
               <a:rPr lang="en-US" altLang="zh-TW" dirty="0" err="1" smtClean="0"/>
-              <a:t>Git</a:t>
-            </a:r>
-            <a:r>
-              <a:rPr lang="en-US" altLang="zh-TW" dirty="0" smtClean="0"/>
-              <a:t> branch –m feature1 FT1(rename </a:t>
-            </a:r>
-            <a:r>
-              <a:rPr lang="en-US" altLang="zh-TW" smtClean="0"/>
-              <a:t>feature1 as </a:t>
-            </a:r>
-            <a:r>
-              <a:rPr lang="en-US" altLang="zh-TW" dirty="0" smtClean="0"/>
-              <a:t>FT)</a:t>
+              <a:t>it</a:t>
+            </a:r>
+            <a:r>
+              <a:rPr lang="en-US" altLang="zh-TW" dirty="0" smtClean="0"/>
+              <a:t> add .(track file)</a:t>
+            </a:r>
+          </a:p>
+          <a:p>
+            <a:pPr marL="0" indent="0">
+              <a:buNone/>
+            </a:pPr>
+            <a:r>
+              <a:rPr lang="en-US" altLang="zh-TW" dirty="0" err="1" smtClean="0"/>
+              <a:t>git</a:t>
+            </a:r>
+            <a:r>
+              <a:rPr lang="en-US" altLang="zh-TW" dirty="0" smtClean="0"/>
+              <a:t> commit  –m “commit description</a:t>
+            </a:r>
+            <a:r>
+              <a:rPr lang="en-US" altLang="zh-TW" dirty="0" smtClean="0"/>
+              <a:t>”(commit)</a:t>
+            </a:r>
+            <a:endParaRPr lang="en-US" altLang="zh-TW" dirty="0" smtClean="0"/>
+          </a:p>
+          <a:p>
+            <a:pPr marL="0" indent="0">
+              <a:buNone/>
+            </a:pPr>
+            <a:r>
+              <a:rPr lang="en-US" altLang="zh-TW" dirty="0" err="1"/>
+              <a:t>g</a:t>
+            </a:r>
+            <a:r>
+              <a:rPr lang="en-US" altLang="zh-TW" dirty="0" err="1" smtClean="0"/>
+              <a:t>it</a:t>
+            </a:r>
+            <a:r>
+              <a:rPr lang="en-US" altLang="zh-TW" dirty="0" smtClean="0"/>
+              <a:t> log(check commit history)</a:t>
             </a:r>
             <a:endParaRPr lang="zh-TW" altLang="en-US" dirty="0"/>
           </a:p>
@@ -3490,7 +4244,7 @@
     </p:spTree>
     <p:extLst>
       <p:ext uri="{BB962C8B-B14F-4D97-AF65-F5344CB8AC3E}">
-        <p14:creationId xmlns:p14="http://schemas.microsoft.com/office/powerpoint/2010/main" val="1068680452"/>
+        <p14:creationId xmlns:p14="http://schemas.microsoft.com/office/powerpoint/2010/main" val="2428529176"/>
       </p:ext>
     </p:extLst>
   </p:cSld>
@@ -3534,7 +4288,7 @@
           <a:p>
             <a:r>
               <a:rPr lang="en-US" altLang="zh-TW" dirty="0" smtClean="0"/>
-              <a:t>merge</a:t>
+              <a:t>ignore</a:t>
             </a:r>
             <a:endParaRPr lang="zh-TW" altLang="en-US" dirty="0"/>
           </a:p>
@@ -3555,6 +4309,79 @@
           <a:bodyPr/>
           <a:lstStyle/>
           <a:p>
+            <a:r>
+              <a:rPr lang="en-US" altLang="zh-TW" dirty="0"/>
+              <a:t>t</a:t>
+            </a:r>
+            <a:r>
+              <a:rPr lang="en-US" altLang="zh-TW" dirty="0" smtClean="0"/>
+              <a:t>ouch .</a:t>
+            </a:r>
+            <a:r>
+              <a:rPr lang="en-US" altLang="zh-TW" dirty="0" err="1" smtClean="0"/>
+              <a:t>gitignore</a:t>
+            </a:r>
+            <a:r>
+              <a:rPr lang="en-US" altLang="zh-TW" dirty="0" smtClean="0"/>
+              <a:t> (create ignore file)</a:t>
+            </a:r>
+          </a:p>
+          <a:p>
+            <a:r>
+              <a:rPr lang="en-US" altLang="zh-TW" dirty="0" smtClean="0"/>
+              <a:t>add file to ignore file(</a:t>
+            </a:r>
+            <a:r>
+              <a:rPr lang="zh-TW" altLang="en-US" dirty="0" smtClean="0"/>
+              <a:t>加入不想被索引的檔案</a:t>
+            </a:r>
+            <a:r>
+              <a:rPr lang="en-US" altLang="zh-TW" dirty="0" smtClean="0"/>
+              <a:t>)</a:t>
+            </a:r>
+          </a:p>
+          <a:p>
+            <a:pPr marL="0" indent="0">
+              <a:buNone/>
+            </a:pPr>
+            <a:r>
+              <a:rPr lang="zh-TW" altLang="en-US" dirty="0" smtClean="0"/>
+              <a:t>如此在</a:t>
+            </a:r>
+            <a:r>
+              <a:rPr lang="en-US" altLang="zh-TW" dirty="0" smtClean="0"/>
+              <a:t>status</a:t>
+            </a:r>
+            <a:r>
+              <a:rPr lang="zh-TW" altLang="en-US" dirty="0" smtClean="0"/>
+              <a:t>將不會被看見</a:t>
+            </a:r>
+            <a:r>
+              <a:rPr lang="en-US" altLang="zh-TW" dirty="0" smtClean="0"/>
+              <a:t>untraced file</a:t>
+            </a:r>
+          </a:p>
+          <a:p>
+            <a:r>
+              <a:rPr lang="en-US" altLang="zh-TW" dirty="0" smtClean="0"/>
+              <a:t>Test.txt(ignore test.txt)</a:t>
+            </a:r>
+          </a:p>
+          <a:p>
+            <a:r>
+              <a:rPr lang="en-US" altLang="zh-TW" dirty="0"/>
+              <a:t>*</a:t>
+            </a:r>
+            <a:r>
+              <a:rPr lang="en-US" altLang="zh-TW" dirty="0" smtClean="0"/>
+              <a:t>.txt(ignore all txt file)</a:t>
+            </a:r>
+          </a:p>
+          <a:p>
+            <a:r>
+              <a:rPr lang="en-US" altLang="zh-TW" dirty="0" smtClean="0"/>
+              <a:t>Test/(ignore test folder)</a:t>
+            </a:r>
             <a:endParaRPr lang="zh-TW" altLang="en-US" dirty="0"/>
           </a:p>
         </p:txBody>
@@ -3562,7 +4389,7 @@
     </p:spTree>
     <p:extLst>
       <p:ext uri="{BB962C8B-B14F-4D97-AF65-F5344CB8AC3E}">
-        <p14:creationId xmlns:p14="http://schemas.microsoft.com/office/powerpoint/2010/main" val="1397135683"/>
+        <p14:creationId xmlns:p14="http://schemas.microsoft.com/office/powerpoint/2010/main" val="3824719643"/>
       </p:ext>
     </p:extLst>
   </p:cSld>
@@ -3601,14 +4428,20 @@
         </p:nvSpPr>
         <p:spPr/>
         <p:txBody>
-          <a:bodyPr>
-            <a:normAutofit/>
-          </a:bodyPr>
-          <a:lstStyle/>
-          <a:p>
-            <a:r>
-              <a:rPr lang="en-US" altLang="zh-TW" dirty="0" smtClean="0"/>
-              <a:t>tag</a:t>
+          <a:bodyPr/>
+          <a:lstStyle/>
+          <a:p>
+            <a:r>
+              <a:rPr lang="en-US" altLang="zh-TW" dirty="0" smtClean="0"/>
+              <a:t>Untracked(</a:t>
+            </a:r>
+            <a:r>
+              <a:rPr lang="zh-TW" altLang="en-US" dirty="0" smtClean="0"/>
+              <a:t>取消索引</a:t>
+            </a:r>
+            <a:r>
+              <a:rPr lang="en-US" altLang="zh-TW" dirty="0" smtClean="0"/>
+              <a:t>)</a:t>
             </a:r>
             <a:endParaRPr lang="zh-TW" altLang="en-US" dirty="0"/>
           </a:p>
@@ -3629,14 +4462,74 @@
           <a:bodyPr/>
           <a:lstStyle/>
           <a:p>
-            <a:endParaRPr lang="zh-TW" altLang="en-US"/>
+            <a:r>
+              <a:rPr lang="en-US" altLang="zh-TW" dirty="0" err="1"/>
+              <a:t>g</a:t>
+            </a:r>
+            <a:r>
+              <a:rPr lang="en-US" altLang="zh-TW" dirty="0" err="1" smtClean="0"/>
+              <a:t>it</a:t>
+            </a:r>
+            <a:r>
+              <a:rPr lang="en-US" altLang="zh-TW" dirty="0" smtClean="0"/>
+              <a:t> reset HEAD(</a:t>
+            </a:r>
+            <a:r>
+              <a:rPr lang="zh-TW" altLang="en-US" dirty="0" smtClean="0"/>
+              <a:t>全部檔案取消索引</a:t>
+            </a:r>
+            <a:r>
+              <a:rPr lang="en-US" altLang="zh-TW" dirty="0" smtClean="0"/>
+              <a:t>)</a:t>
+            </a:r>
+          </a:p>
+          <a:p>
+            <a:r>
+              <a:rPr lang="en-US" altLang="zh-TW" dirty="0" err="1"/>
+              <a:t>git</a:t>
+            </a:r>
+            <a:r>
+              <a:rPr lang="en-US" altLang="zh-TW" dirty="0"/>
+              <a:t> reset </a:t>
+            </a:r>
+            <a:r>
+              <a:rPr lang="en-US" altLang="zh-TW" dirty="0" smtClean="0"/>
+              <a:t>HEAD</a:t>
+            </a:r>
+            <a:r>
+              <a:rPr lang="zh-TW" altLang="en-US" dirty="0" smtClean="0"/>
+              <a:t> </a:t>
+            </a:r>
+            <a:r>
+              <a:rPr lang="en-US" altLang="zh-TW" dirty="0" smtClean="0"/>
+              <a:t>test.txt(</a:t>
+            </a:r>
+            <a:r>
+              <a:rPr lang="zh-TW" altLang="en-US" dirty="0" smtClean="0"/>
+              <a:t>只取消</a:t>
+            </a:r>
+            <a:r>
+              <a:rPr lang="en-US" altLang="zh-TW" dirty="0" smtClean="0"/>
+              <a:t>test.txt</a:t>
+            </a:r>
+            <a:r>
+              <a:rPr lang="zh-TW" altLang="en-US" dirty="0" smtClean="0"/>
+              <a:t>索引</a:t>
+            </a:r>
+            <a:r>
+              <a:rPr lang="en-US" altLang="zh-TW" dirty="0" smtClean="0"/>
+              <a:t>)</a:t>
+            </a:r>
+          </a:p>
+          <a:p>
+            <a:endParaRPr lang="zh-TW" altLang="en-US" dirty="0"/>
           </a:p>
         </p:txBody>
       </p:sp>
     </p:spTree>
     <p:extLst>
       <p:ext uri="{BB962C8B-B14F-4D97-AF65-F5344CB8AC3E}">
-        <p14:creationId xmlns:p14="http://schemas.microsoft.com/office/powerpoint/2010/main" val="1839351819"/>
+        <p14:creationId xmlns:p14="http://schemas.microsoft.com/office/powerpoint/2010/main" val="2188206268"/>
       </p:ext>
     </p:extLst>
   </p:cSld>
@@ -3679,36 +4572,130 @@
           <a:lstStyle/>
           <a:p>
             <a:r>
+              <a:rPr lang="zh-TW" altLang="en-US" dirty="0" smtClean="0"/>
+              <a:t>還原檔案</a:t>
+            </a:r>
+            <a:endParaRPr lang="zh-TW" altLang="en-US" dirty="0"/>
+          </a:p>
+        </p:txBody>
+      </p:sp>
+      <p:sp>
+        <p:nvSpPr>
+          <p:cNvPr id="3" name="內容版面配置區 2"/>
+          <p:cNvSpPr>
+            <a:spLocks noGrp="1"/>
+          </p:cNvSpPr>
+          <p:nvPr>
+            <p:ph idx="1"/>
+          </p:nvPr>
+        </p:nvSpPr>
+        <p:spPr/>
+        <p:txBody>
+          <a:bodyPr/>
+          <a:lstStyle/>
+          <a:p>
+            <a:r>
               <a:rPr lang="en-US" altLang="zh-TW" dirty="0" err="1" smtClean="0"/>
-              <a:t>Github</a:t>
-            </a:r>
+              <a:t>git</a:t>
+            </a:r>
+            <a:r>
+              <a:rPr lang="en-US" altLang="zh-TW" dirty="0" smtClean="0"/>
+              <a:t> checkout test.txt(</a:t>
+            </a:r>
+            <a:r>
+              <a:rPr lang="zh-TW" altLang="en-US" dirty="0" smtClean="0"/>
+              <a:t>還原</a:t>
+            </a:r>
+            <a:r>
+              <a:rPr lang="en-US" altLang="zh-TW" dirty="0" smtClean="0"/>
+              <a:t>test.txt</a:t>
+            </a:r>
+            <a:r>
+              <a:rPr lang="zh-TW" altLang="en-US" dirty="0" smtClean="0"/>
+              <a:t>最後一次</a:t>
+            </a:r>
+            <a:r>
+              <a:rPr lang="en-US" altLang="zh-TW" dirty="0" smtClean="0"/>
+              <a:t>commit</a:t>
+            </a:r>
+            <a:r>
+              <a:rPr lang="zh-TW" altLang="en-US" dirty="0" smtClean="0"/>
+              <a:t>紀錄</a:t>
+            </a:r>
+            <a:r>
+              <a:rPr lang="en-US" altLang="zh-TW" dirty="0" smtClean="0"/>
+              <a:t>)</a:t>
+            </a:r>
+          </a:p>
+          <a:p>
+            <a:r>
+              <a:rPr lang="en-US" altLang="zh-TW" dirty="0" err="1"/>
+              <a:t>g</a:t>
+            </a:r>
+            <a:r>
+              <a:rPr lang="en-US" altLang="zh-TW" dirty="0" err="1" smtClean="0"/>
+              <a:t>it</a:t>
+            </a:r>
+            <a:r>
+              <a:rPr lang="en-US" altLang="zh-TW" dirty="0" smtClean="0"/>
+              <a:t> rest –hard (</a:t>
+            </a:r>
+            <a:r>
+              <a:rPr lang="zh-TW" altLang="en-US" dirty="0"/>
+              <a:t>回到</a:t>
+            </a:r>
+            <a:r>
+              <a:rPr lang="zh-TW" altLang="en-US" dirty="0" smtClean="0"/>
+              <a:t>最後一次</a:t>
+            </a:r>
+            <a:r>
+              <a:rPr lang="en-US" altLang="zh-TW" dirty="0" smtClean="0"/>
+              <a:t>commit</a:t>
+            </a:r>
+            <a:r>
+              <a:rPr lang="zh-TW" altLang="en-US" dirty="0" smtClean="0"/>
+              <a:t>紀錄</a:t>
+            </a:r>
+            <a:r>
+              <a:rPr lang="en-US" altLang="zh-TW" dirty="0" smtClean="0"/>
+              <a:t>)</a:t>
+            </a:r>
+          </a:p>
+          <a:p>
+            <a:r>
+              <a:rPr lang="en-US" altLang="zh-TW" dirty="0" err="1" smtClean="0"/>
+              <a:t>Git</a:t>
+            </a:r>
+            <a:r>
+              <a:rPr lang="en-US" altLang="zh-TW" dirty="0" smtClean="0"/>
+              <a:t> diff commit1 commit2(</a:t>
+            </a:r>
+            <a:r>
+              <a:rPr lang="zh-TW" altLang="en-US" dirty="0" smtClean="0"/>
+              <a:t>比較</a:t>
+            </a:r>
+            <a:r>
+              <a:rPr lang="en-US" altLang="zh-TW" dirty="0" smtClean="0"/>
+              <a:t>commit 1&amp;2</a:t>
+            </a:r>
+            <a:r>
+              <a:rPr lang="zh-TW" altLang="en-US" dirty="0" smtClean="0"/>
+              <a:t>差異</a:t>
+            </a:r>
+            <a:r>
+              <a:rPr lang="en-US" altLang="zh-TW" dirty="0" smtClean="0"/>
+              <a:t>) </a:t>
+            </a:r>
+          </a:p>
+          <a:p>
             <a:endParaRPr lang="zh-TW" altLang="en-US" dirty="0"/>
-          </a:p>
-        </p:txBody>
-      </p:sp>
-      <p:sp>
-        <p:nvSpPr>
-          <p:cNvPr id="3" name="內容版面配置區 2"/>
-          <p:cNvSpPr>
-            <a:spLocks noGrp="1"/>
-          </p:cNvSpPr>
-          <p:nvPr>
-            <p:ph idx="1"/>
-          </p:nvPr>
-        </p:nvSpPr>
-        <p:spPr/>
-        <p:txBody>
-          <a:bodyPr/>
-          <a:lstStyle/>
-          <a:p>
-            <a:endParaRPr lang="zh-TW" altLang="en-US"/>
           </a:p>
         </p:txBody>
       </p:sp>
     </p:spTree>
     <p:extLst>
       <p:ext uri="{BB962C8B-B14F-4D97-AF65-F5344CB8AC3E}">
-        <p14:creationId xmlns:p14="http://schemas.microsoft.com/office/powerpoint/2010/main" val="1156074623"/>
+        <p14:creationId xmlns:p14="http://schemas.microsoft.com/office/powerpoint/2010/main" val="520077345"/>
       </p:ext>
     </p:extLst>
   </p:cSld>
@@ -3750,7 +4737,11 @@
           <a:bodyPr/>
           <a:lstStyle/>
           <a:p>
-            <a:endParaRPr lang="zh-TW" altLang="en-US"/>
+            <a:r>
+              <a:rPr lang="en-US" altLang="zh-TW" dirty="0" smtClean="0"/>
+              <a:t>HEAD</a:t>
+            </a:r>
+            <a:endParaRPr lang="zh-TW" altLang="en-US" dirty="0"/>
           </a:p>
         </p:txBody>
       </p:sp>
@@ -3769,13 +4760,61 @@
           <a:bodyPr/>
           <a:lstStyle/>
           <a:p>
+            <a:r>
+              <a:rPr lang="en-US" altLang="zh-TW" dirty="0" err="1"/>
+              <a:t>g</a:t>
+            </a:r>
+            <a:r>
+              <a:rPr lang="en-US" altLang="zh-TW" dirty="0" err="1" smtClean="0"/>
+              <a:t>it</a:t>
+            </a:r>
+            <a:r>
+              <a:rPr lang="en-US" altLang="zh-TW" dirty="0" smtClean="0"/>
+              <a:t> checkout </a:t>
+            </a:r>
+            <a:r>
+              <a:rPr lang="en-US" altLang="zh-TW" dirty="0" err="1" smtClean="0"/>
+              <a:t>xxxx</a:t>
+            </a:r>
+            <a:r>
+              <a:rPr lang="en-US" altLang="zh-TW" dirty="0" smtClean="0"/>
+              <a:t>(</a:t>
+            </a:r>
+            <a:r>
+              <a:rPr lang="zh-TW" altLang="en-US" dirty="0" smtClean="0"/>
+              <a:t>從</a:t>
+            </a:r>
             <a:r>
               <a:rPr lang="en-US" altLang="zh-TW" dirty="0" err="1" smtClean="0"/>
               <a:t>git</a:t>
             </a:r>
             <a:r>
               <a:rPr lang="en-US" altLang="zh-TW" dirty="0" smtClean="0"/>
-              <a:t> clone (clone repository to local) </a:t>
+              <a:t> log </a:t>
+            </a:r>
+            <a:r>
+              <a:rPr lang="zh-TW" altLang="en-US" dirty="0" smtClean="0"/>
+              <a:t>找到 </a:t>
+            </a:r>
+            <a:r>
+              <a:rPr lang="en-US" altLang="zh-TW" dirty="0" smtClean="0"/>
+              <a:t>commit </a:t>
+            </a:r>
+            <a:r>
+              <a:rPr lang="zh-TW" altLang="en-US" dirty="0" smtClean="0"/>
+              <a:t>紀錄的前四碼，</a:t>
+            </a:r>
+            <a:r>
+              <a:rPr lang="en-US" altLang="zh-TW" dirty="0" smtClean="0"/>
+              <a:t>HEAD</a:t>
+            </a:r>
+            <a:r>
+              <a:rPr lang="zh-TW" altLang="en-US" dirty="0" smtClean="0"/>
+              <a:t>指向當次版本</a:t>
+            </a:r>
+            <a:r>
+              <a:rPr lang="en-US" altLang="zh-TW" dirty="0" smtClean="0"/>
+              <a:t>)</a:t>
             </a:r>
           </a:p>
           <a:p>
@@ -3785,11 +4824,19 @@
             </a:r>
             <a:r>
               <a:rPr lang="en-US" altLang="zh-TW" dirty="0" smtClean="0"/>
-              <a:t> push(push local repository to </a:t>
-            </a:r>
-            <a:r>
-              <a:rPr lang="en-US" altLang="zh-TW" dirty="0" err="1" smtClean="0"/>
-              <a:t>github</a:t>
+              <a:t> checkout master(HEAD</a:t>
+            </a:r>
+            <a:r>
+              <a:rPr lang="zh-TW" altLang="en-US" dirty="0" smtClean="0"/>
+              <a:t>指向最新</a:t>
+            </a:r>
+            <a:r>
+              <a:rPr lang="en-US" altLang="zh-TW" dirty="0" smtClean="0"/>
+              <a:t>master</a:t>
+            </a:r>
+            <a:r>
+              <a:rPr lang="zh-TW" altLang="en-US" dirty="0" smtClean="0"/>
+              <a:t>位置</a:t>
             </a:r>
             <a:r>
               <a:rPr lang="en-US" altLang="zh-TW" dirty="0" smtClean="0"/>
@@ -3797,22 +4844,6 @@
             </a:r>
           </a:p>
           <a:p>
-            <a:r>
-              <a:rPr lang="en-US" altLang="zh-TW" dirty="0" err="1" smtClean="0"/>
-              <a:t>git</a:t>
-            </a:r>
-            <a:r>
-              <a:rPr lang="en-US" altLang="zh-TW" dirty="0" smtClean="0"/>
-              <a:t> pull (pull repository from </a:t>
-            </a:r>
-            <a:r>
-              <a:rPr lang="en-US" altLang="zh-TW" dirty="0" err="1" smtClean="0"/>
-              <a:t>github</a:t>
-            </a:r>
-            <a:r>
-              <a:rPr lang="en-US" altLang="zh-TW" dirty="0" smtClean="0"/>
-              <a:t>)</a:t>
-            </a:r>
             <a:endParaRPr lang="zh-TW" altLang="en-US" dirty="0"/>
           </a:p>
         </p:txBody>
@@ -3820,7 +4851,7 @@
     </p:spTree>
     <p:extLst>
       <p:ext uri="{BB962C8B-B14F-4D97-AF65-F5344CB8AC3E}">
-        <p14:creationId xmlns:p14="http://schemas.microsoft.com/office/powerpoint/2010/main" val="1434660974"/>
+        <p14:creationId xmlns:p14="http://schemas.microsoft.com/office/powerpoint/2010/main" val="1689667531"/>
       </p:ext>
     </p:extLst>
   </p:cSld>
@@ -3862,7 +4893,11 @@
           <a:bodyPr/>
           <a:lstStyle/>
           <a:p>
-            <a:endParaRPr lang="zh-TW" altLang="en-US"/>
+            <a:r>
+              <a:rPr lang="en-US" altLang="zh-TW" dirty="0" smtClean="0"/>
+              <a:t>branch</a:t>
+            </a:r>
+            <a:endParaRPr lang="zh-TW" altLang="en-US" dirty="0"/>
           </a:p>
         </p:txBody>
       </p:sp>
@@ -3881,14 +4916,72 @@
           <a:bodyPr/>
           <a:lstStyle/>
           <a:p>
-            <a:endParaRPr lang="zh-TW" altLang="en-US"/>
+            <a:r>
+              <a:rPr lang="en-US" altLang="zh-TW" dirty="0" err="1" smtClean="0"/>
+              <a:t>Git</a:t>
+            </a:r>
+            <a:r>
+              <a:rPr lang="en-US" altLang="zh-TW" dirty="0" smtClean="0"/>
+              <a:t> status(check branch &amp; untracked files)</a:t>
+            </a:r>
+          </a:p>
+          <a:p>
+            <a:r>
+              <a:rPr lang="en-US" altLang="zh-TW" dirty="0" err="1" smtClean="0"/>
+              <a:t>Git</a:t>
+            </a:r>
+            <a:r>
+              <a:rPr lang="en-US" altLang="zh-TW" dirty="0" smtClean="0"/>
+              <a:t> branch(list all branch)</a:t>
+            </a:r>
+          </a:p>
+          <a:p>
+            <a:r>
+              <a:rPr lang="en-US" altLang="zh-TW" dirty="0" err="1" smtClean="0"/>
+              <a:t>Git</a:t>
+            </a:r>
+            <a:r>
+              <a:rPr lang="en-US" altLang="zh-TW" dirty="0" smtClean="0"/>
+              <a:t> branch feature1(create feature1 branch)</a:t>
+            </a:r>
+          </a:p>
+          <a:p>
+            <a:r>
+              <a:rPr lang="en-US" altLang="zh-TW" dirty="0" err="1" smtClean="0"/>
+              <a:t>Git</a:t>
+            </a:r>
+            <a:r>
+              <a:rPr lang="en-US" altLang="zh-TW" dirty="0" smtClean="0"/>
+              <a:t> checkout feature1(switched to feature1)</a:t>
+            </a:r>
+          </a:p>
+          <a:p>
+            <a:r>
+              <a:rPr lang="en-US" altLang="zh-TW" dirty="0" err="1" smtClean="0"/>
+              <a:t>Git</a:t>
+            </a:r>
+            <a:r>
+              <a:rPr lang="en-US" altLang="zh-TW" dirty="0" smtClean="0"/>
+              <a:t> branch –d feature1(delete feature1 branch)</a:t>
+            </a:r>
+          </a:p>
+          <a:p>
+            <a:r>
+              <a:rPr lang="en-US" altLang="zh-TW" dirty="0" err="1" smtClean="0"/>
+              <a:t>Git</a:t>
+            </a:r>
+            <a:r>
+              <a:rPr lang="en-US" altLang="zh-TW" dirty="0" smtClean="0"/>
+              <a:t> branch –m feature1 FT1(rename feature1 as FT)</a:t>
+            </a:r>
+            <a:endParaRPr lang="zh-TW" altLang="en-US" dirty="0"/>
           </a:p>
         </p:txBody>
       </p:sp>
     </p:spTree>
     <p:extLst>
       <p:ext uri="{BB962C8B-B14F-4D97-AF65-F5344CB8AC3E}">
-        <p14:creationId xmlns:p14="http://schemas.microsoft.com/office/powerpoint/2010/main" val="51210429"/>
+        <p14:creationId xmlns:p14="http://schemas.microsoft.com/office/powerpoint/2010/main" val="1068680452"/>
       </p:ext>
     </p:extLst>
   </p:cSld>

--- a/github_tutorial.pptx
+++ b/github_tutorial.pptx
@@ -17,9 +17,10 @@
     <p:sldId id="264" r:id="rId11"/>
     <p:sldId id="270" r:id="rId12"/>
     <p:sldId id="263" r:id="rId13"/>
-    <p:sldId id="261" r:id="rId14"/>
-    <p:sldId id="258" r:id="rId15"/>
-    <p:sldId id="259" r:id="rId16"/>
+    <p:sldId id="271" r:id="rId14"/>
+    <p:sldId id="261" r:id="rId15"/>
+    <p:sldId id="258" r:id="rId16"/>
+    <p:sldId id="259" r:id="rId17"/>
   </p:sldIdLst>
   <p:sldSz cx="9144000" cy="6858000" type="screen4x3"/>
   <p:notesSz cx="6858000" cy="9144000"/>
@@ -302,7 +303,7 @@
           <a:p>
             <a:fld id="{5BBEAD13-0566-4C6C-97E7-55F17F24B09F}" type="datetimeFigureOut">
               <a:rPr lang="zh-TW" altLang="en-US" smtClean="0"/>
-              <a:t>2020/4/15</a:t>
+              <a:t>2020/4/16</a:t>
             </a:fld>
             <a:endParaRPr lang="zh-TW" altLang="en-US"/>
           </a:p>
@@ -467,7 +468,7 @@
           <a:p>
             <a:fld id="{5BBEAD13-0566-4C6C-97E7-55F17F24B09F}" type="datetimeFigureOut">
               <a:rPr lang="zh-TW" altLang="en-US" smtClean="0"/>
-              <a:t>2020/4/15</a:t>
+              <a:t>2020/4/16</a:t>
             </a:fld>
             <a:endParaRPr lang="zh-TW" altLang="en-US"/>
           </a:p>
@@ -642,7 +643,7 @@
           <a:p>
             <a:fld id="{5BBEAD13-0566-4C6C-97E7-55F17F24B09F}" type="datetimeFigureOut">
               <a:rPr lang="zh-TW" altLang="en-US" smtClean="0"/>
-              <a:t>2020/4/15</a:t>
+              <a:t>2020/4/16</a:t>
             </a:fld>
             <a:endParaRPr lang="zh-TW" altLang="en-US"/>
           </a:p>
@@ -807,7 +808,7 @@
           <a:p>
             <a:fld id="{5BBEAD13-0566-4C6C-97E7-55F17F24B09F}" type="datetimeFigureOut">
               <a:rPr lang="zh-TW" altLang="en-US" smtClean="0"/>
-              <a:t>2020/4/15</a:t>
+              <a:t>2020/4/16</a:t>
             </a:fld>
             <a:endParaRPr lang="zh-TW" altLang="en-US"/>
           </a:p>
@@ -1048,7 +1049,7 @@
           <a:p>
             <a:fld id="{5BBEAD13-0566-4C6C-97E7-55F17F24B09F}" type="datetimeFigureOut">
               <a:rPr lang="zh-TW" altLang="en-US" smtClean="0"/>
-              <a:t>2020/4/15</a:t>
+              <a:t>2020/4/16</a:t>
             </a:fld>
             <a:endParaRPr lang="zh-TW" altLang="en-US"/>
           </a:p>
@@ -1331,7 +1332,7 @@
           <a:p>
             <a:fld id="{5BBEAD13-0566-4C6C-97E7-55F17F24B09F}" type="datetimeFigureOut">
               <a:rPr lang="zh-TW" altLang="en-US" smtClean="0"/>
-              <a:t>2020/4/15</a:t>
+              <a:t>2020/4/16</a:t>
             </a:fld>
             <a:endParaRPr lang="zh-TW" altLang="en-US"/>
           </a:p>
@@ -1748,7 +1749,7 @@
           <a:p>
             <a:fld id="{5BBEAD13-0566-4C6C-97E7-55F17F24B09F}" type="datetimeFigureOut">
               <a:rPr lang="zh-TW" altLang="en-US" smtClean="0"/>
-              <a:t>2020/4/15</a:t>
+              <a:t>2020/4/16</a:t>
             </a:fld>
             <a:endParaRPr lang="zh-TW" altLang="en-US"/>
           </a:p>
@@ -1861,7 +1862,7 @@
           <a:p>
             <a:fld id="{5BBEAD13-0566-4C6C-97E7-55F17F24B09F}" type="datetimeFigureOut">
               <a:rPr lang="zh-TW" altLang="en-US" smtClean="0"/>
-              <a:t>2020/4/15</a:t>
+              <a:t>2020/4/16</a:t>
             </a:fld>
             <a:endParaRPr lang="zh-TW" altLang="en-US"/>
           </a:p>
@@ -1951,7 +1952,7 @@
           <a:p>
             <a:fld id="{5BBEAD13-0566-4C6C-97E7-55F17F24B09F}" type="datetimeFigureOut">
               <a:rPr lang="zh-TW" altLang="en-US" smtClean="0"/>
-              <a:t>2020/4/15</a:t>
+              <a:t>2020/4/16</a:t>
             </a:fld>
             <a:endParaRPr lang="zh-TW" altLang="en-US"/>
           </a:p>
@@ -2223,7 +2224,7 @@
           <a:p>
             <a:fld id="{5BBEAD13-0566-4C6C-97E7-55F17F24B09F}" type="datetimeFigureOut">
               <a:rPr lang="zh-TW" altLang="en-US" smtClean="0"/>
-              <a:t>2020/4/15</a:t>
+              <a:t>2020/4/16</a:t>
             </a:fld>
             <a:endParaRPr lang="zh-TW" altLang="en-US"/>
           </a:p>
@@ -2471,7 +2472,7 @@
           <a:p>
             <a:fld id="{5BBEAD13-0566-4C6C-97E7-55F17F24B09F}" type="datetimeFigureOut">
               <a:rPr lang="zh-TW" altLang="en-US" smtClean="0"/>
-              <a:t>2020/4/15</a:t>
+              <a:t>2020/4/16</a:t>
             </a:fld>
             <a:endParaRPr lang="zh-TW" altLang="en-US"/>
           </a:p>
@@ -2679,7 +2680,7 @@
           <a:p>
             <a:fld id="{5BBEAD13-0566-4C6C-97E7-55F17F24B09F}" type="datetimeFigureOut">
               <a:rPr lang="zh-TW" altLang="en-US" smtClean="0"/>
-              <a:t>2020/4/15</a:t>
+              <a:t>2020/4/16</a:t>
             </a:fld>
             <a:endParaRPr lang="zh-TW" altLang="en-US"/>
           </a:p>
@@ -3590,7 +3591,145 @@
           <a:bodyPr/>
           <a:lstStyle/>
           <a:p>
-            <a:endParaRPr lang="zh-TW" altLang="en-US"/>
+            <a:r>
+              <a:rPr lang="en-US" altLang="zh-TW" dirty="0" err="1"/>
+              <a:t>g</a:t>
+            </a:r>
+            <a:r>
+              <a:rPr lang="en-US" altLang="zh-TW" dirty="0" err="1" smtClean="0"/>
+              <a:t>it</a:t>
+            </a:r>
+            <a:r>
+              <a:rPr lang="en-US" altLang="zh-TW" dirty="0" smtClean="0"/>
+              <a:t> tag (browse tag list)</a:t>
+            </a:r>
+          </a:p>
+          <a:p>
+            <a:r>
+              <a:rPr lang="en-US" altLang="zh-TW" dirty="0" err="1"/>
+              <a:t>git</a:t>
+            </a:r>
+            <a:r>
+              <a:rPr lang="en-US" altLang="zh-TW" dirty="0"/>
+              <a:t> </a:t>
+            </a:r>
+            <a:r>
+              <a:rPr lang="en-US" altLang="zh-TW" dirty="0" smtClean="0"/>
+              <a:t>tag v1(create tag v1)</a:t>
+            </a:r>
+          </a:p>
+          <a:p>
+            <a:r>
+              <a:rPr lang="en-US" altLang="zh-TW" dirty="0" err="1" smtClean="0"/>
+              <a:t>git</a:t>
+            </a:r>
+            <a:r>
+              <a:rPr lang="en-US" altLang="zh-TW" dirty="0" smtClean="0"/>
+              <a:t> checkout v0(HEAD </a:t>
+            </a:r>
+            <a:r>
+              <a:rPr lang="zh-TW" altLang="en-US" dirty="0" smtClean="0"/>
+              <a:t>指向 </a:t>
+            </a:r>
+            <a:r>
+              <a:rPr lang="en-US" altLang="zh-TW" dirty="0" smtClean="0"/>
+              <a:t>tag v0)</a:t>
+            </a:r>
+            <a:endParaRPr lang="zh-TW" altLang="en-US" dirty="0"/>
+          </a:p>
+          <a:p>
+            <a:r>
+              <a:rPr lang="en-US" altLang="zh-TW" dirty="0" err="1"/>
+              <a:t>git</a:t>
+            </a:r>
+            <a:r>
+              <a:rPr lang="en-US" altLang="zh-TW" dirty="0"/>
+              <a:t> </a:t>
+            </a:r>
+            <a:r>
+              <a:rPr lang="en-US" altLang="zh-TW" dirty="0" smtClean="0"/>
+              <a:t>tag -d v2(delete tag v2) </a:t>
+            </a:r>
+            <a:endParaRPr lang="en-US" altLang="zh-TW" dirty="0" smtClean="0"/>
+          </a:p>
+          <a:p>
+            <a:r>
+              <a:rPr lang="en-US" altLang="zh-TW" dirty="0" err="1"/>
+              <a:t>git</a:t>
+            </a:r>
+            <a:r>
+              <a:rPr lang="en-US" altLang="zh-TW" dirty="0"/>
+              <a:t> </a:t>
+            </a:r>
+            <a:r>
+              <a:rPr lang="en-US" altLang="zh-TW" dirty="0" smtClean="0"/>
+              <a:t>tag -am “description” v3 (</a:t>
+            </a:r>
+            <a:r>
+              <a:rPr lang="zh-TW" altLang="en-US" dirty="0" smtClean="0"/>
+              <a:t>加入標籤</a:t>
+            </a:r>
+            <a:r>
+              <a:rPr lang="en-US" altLang="zh-TW" dirty="0" smtClean="0"/>
+              <a:t>&amp;</a:t>
+            </a:r>
+            <a:r>
+              <a:rPr lang="zh-TW" altLang="en-US" dirty="0" smtClean="0"/>
+              <a:t>備註</a:t>
+            </a:r>
+            <a:r>
+              <a:rPr lang="en-US" altLang="zh-TW" dirty="0" smtClean="0"/>
+              <a:t>)</a:t>
+            </a:r>
+          </a:p>
+          <a:p>
+            <a:r>
+              <a:rPr lang="en-US" altLang="zh-TW" dirty="0" err="1"/>
+              <a:t>git</a:t>
+            </a:r>
+            <a:r>
+              <a:rPr lang="en-US" altLang="zh-TW" dirty="0"/>
+              <a:t> </a:t>
+            </a:r>
+            <a:r>
+              <a:rPr lang="en-US" altLang="zh-TW" dirty="0" smtClean="0"/>
+              <a:t>tag</a:t>
+            </a:r>
+            <a:r>
+              <a:rPr lang="zh-TW" altLang="en-US" dirty="0" smtClean="0"/>
+              <a:t> </a:t>
+            </a:r>
+            <a:r>
+              <a:rPr lang="en-US" altLang="zh-TW" dirty="0"/>
+              <a:t>-</a:t>
+            </a:r>
+            <a:r>
+              <a:rPr lang="en-US" altLang="zh-TW" dirty="0" smtClean="0"/>
+              <a:t>n (</a:t>
+            </a:r>
+            <a:r>
+              <a:rPr lang="zh-TW" altLang="en-US" dirty="0" smtClean="0"/>
+              <a:t>查詢</a:t>
+            </a:r>
+            <a:r>
+              <a:rPr lang="en-US" altLang="zh-TW" dirty="0" smtClean="0"/>
+              <a:t>tag list </a:t>
+            </a:r>
+            <a:r>
+              <a:rPr lang="zh-TW" altLang="en-US" dirty="0" smtClean="0"/>
+              <a:t>詳細內容</a:t>
+            </a:r>
+            <a:r>
+              <a:rPr lang="en-US" altLang="zh-TW" dirty="0" smtClean="0"/>
+              <a:t>) </a:t>
+            </a:r>
+            <a:endParaRPr lang="zh-TW" altLang="en-US" dirty="0"/>
+          </a:p>
+          <a:p>
+            <a:endParaRPr lang="zh-TW" altLang="en-US" dirty="0"/>
+          </a:p>
+          <a:p>
+            <a:endParaRPr lang="zh-TW" altLang="en-US" dirty="0"/>
           </a:p>
         </p:txBody>
       </p:sp>
@@ -3640,36 +3779,150 @@
           <a:lstStyle/>
           <a:p>
             <a:r>
+              <a:rPr lang="en-US" altLang="zh-TW" dirty="0" smtClean="0"/>
+              <a:t>stash</a:t>
+            </a:r>
+            <a:endParaRPr lang="zh-TW" altLang="en-US" dirty="0"/>
+          </a:p>
+        </p:txBody>
+      </p:sp>
+      <p:sp>
+        <p:nvSpPr>
+          <p:cNvPr id="3" name="內容版面配置區 2"/>
+          <p:cNvSpPr>
+            <a:spLocks noGrp="1"/>
+          </p:cNvSpPr>
+          <p:nvPr>
+            <p:ph idx="1"/>
+          </p:nvPr>
+        </p:nvSpPr>
+        <p:spPr/>
+        <p:txBody>
+          <a:bodyPr/>
+          <a:lstStyle/>
+          <a:p>
+            <a:r>
+              <a:rPr lang="en-US" altLang="zh-TW" dirty="0" err="1"/>
+              <a:t>g</a:t>
+            </a:r>
+            <a:r>
               <a:rPr lang="en-US" altLang="zh-TW" dirty="0" err="1" smtClean="0"/>
-              <a:t>Github</a:t>
+              <a:t>it</a:t>
+            </a:r>
+            <a:r>
+              <a:rPr lang="en-US" altLang="zh-TW" dirty="0" smtClean="0"/>
+              <a:t> stash(save the </a:t>
+            </a:r>
+            <a:r>
+              <a:rPr lang="en-US" altLang="zh-TW" dirty="0"/>
+              <a:t>current progress)</a:t>
+            </a:r>
+            <a:endParaRPr lang="en-US" altLang="zh-TW" dirty="0" smtClean="0"/>
+          </a:p>
+          <a:p>
+            <a:r>
+              <a:rPr lang="en-US" altLang="zh-TW" dirty="0" err="1"/>
+              <a:t>git</a:t>
+            </a:r>
+            <a:r>
+              <a:rPr lang="en-US" altLang="zh-TW" dirty="0"/>
+              <a:t> stash </a:t>
+            </a:r>
+            <a:r>
+              <a:rPr lang="en-US" altLang="zh-TW" dirty="0" smtClean="0"/>
+              <a:t>list(browse stash list)</a:t>
+            </a:r>
+          </a:p>
+          <a:p>
+            <a:r>
+              <a:rPr lang="en-US" altLang="zh-TW" dirty="0" err="1"/>
+              <a:t>git</a:t>
+            </a:r>
+            <a:r>
+              <a:rPr lang="en-US" altLang="zh-TW" dirty="0"/>
+              <a:t> stash </a:t>
+            </a:r>
+            <a:r>
+              <a:rPr lang="en-US" altLang="zh-TW" dirty="0" smtClean="0"/>
+              <a:t>pop(resume the latest </a:t>
+            </a:r>
+            <a:r>
+              <a:rPr lang="en-US" altLang="zh-TW" dirty="0" smtClean="0"/>
+              <a:t>stash)</a:t>
+            </a:r>
+          </a:p>
+          <a:p>
+            <a:r>
+              <a:rPr lang="en-US" altLang="zh-TW" dirty="0" err="1"/>
+              <a:t>git</a:t>
+            </a:r>
+            <a:r>
+              <a:rPr lang="en-US" altLang="zh-TW" dirty="0"/>
+              <a:t> </a:t>
+            </a:r>
+            <a:r>
+              <a:rPr lang="en-US" altLang="zh-TW" dirty="0" smtClean="0"/>
+              <a:t>stash drop(clear the latest stash)</a:t>
+            </a:r>
+          </a:p>
+          <a:p>
+            <a:r>
+              <a:rPr lang="en-US" altLang="zh-TW" dirty="0" err="1"/>
+              <a:t>git</a:t>
+            </a:r>
+            <a:r>
+              <a:rPr lang="en-US" altLang="zh-TW" dirty="0"/>
+              <a:t> stash </a:t>
+            </a:r>
+            <a:r>
+              <a:rPr lang="en-US" altLang="zh-TW" dirty="0" smtClean="0"/>
+              <a:t>clear(clear all stash</a:t>
+            </a:r>
+            <a:r>
+              <a:rPr lang="en-US" altLang="zh-TW" dirty="0" smtClean="0"/>
+              <a:t>)</a:t>
+            </a:r>
+          </a:p>
+          <a:p>
+            <a:pPr marL="0" indent="0">
+              <a:buNone/>
+            </a:pPr>
+            <a:r>
+              <a:rPr lang="en-US" altLang="zh-TW" dirty="0" smtClean="0"/>
+              <a:t>* Stash pop &amp; drop </a:t>
+            </a:r>
+            <a:r>
+              <a:rPr lang="zh-TW" altLang="en-US" dirty="0" smtClean="0"/>
+              <a:t>可有多個，未指定則指向最新，指定可使用 </a:t>
+            </a:r>
+            <a:r>
+              <a:rPr lang="en-US" altLang="zh-TW" dirty="0" err="1" smtClean="0"/>
+              <a:t>git</a:t>
+            </a:r>
+            <a:r>
+              <a:rPr lang="en-US" altLang="zh-TW" dirty="0" smtClean="0"/>
+              <a:t> </a:t>
+            </a:r>
+            <a:r>
+              <a:rPr lang="en-US" altLang="zh-TW" dirty="0"/>
+              <a:t>stash pop</a:t>
+            </a:r>
+            <a:r>
+              <a:rPr lang="en-US" altLang="zh-TW" dirty="0" smtClean="0"/>
+              <a:t>@{</a:t>
+            </a:r>
+            <a:r>
+              <a:rPr lang="en-US" altLang="zh-TW" dirty="0" smtClean="0"/>
+              <a:t>number}</a:t>
             </a:r>
             <a:endParaRPr lang="zh-TW" altLang="en-US" dirty="0"/>
-          </a:p>
-        </p:txBody>
-      </p:sp>
-      <p:sp>
-        <p:nvSpPr>
-          <p:cNvPr id="3" name="內容版面配置區 2"/>
-          <p:cNvSpPr>
-            <a:spLocks noGrp="1"/>
-          </p:cNvSpPr>
-          <p:nvPr>
-            <p:ph idx="1"/>
-          </p:nvPr>
-        </p:nvSpPr>
-        <p:spPr/>
-        <p:txBody>
-          <a:bodyPr/>
-          <a:lstStyle/>
-          <a:p>
-            <a:endParaRPr lang="zh-TW" altLang="en-US"/>
           </a:p>
         </p:txBody>
       </p:sp>
     </p:spTree>
     <p:extLst>
       <p:ext uri="{BB962C8B-B14F-4D97-AF65-F5344CB8AC3E}">
-        <p14:creationId xmlns:p14="http://schemas.microsoft.com/office/powerpoint/2010/main" val="1156074623"/>
+        <p14:creationId xmlns:p14="http://schemas.microsoft.com/office/powerpoint/2010/main" val="3747038984"/>
       </p:ext>
     </p:extLst>
   </p:cSld>
@@ -3711,6 +3964,78 @@
           <a:bodyPr/>
           <a:lstStyle/>
           <a:p>
+            <a:r>
+              <a:rPr lang="en-US" altLang="zh-TW" dirty="0" err="1" smtClean="0"/>
+              <a:t>Github</a:t>
+            </a:r>
+            <a:endParaRPr lang="zh-TW" altLang="en-US" dirty="0"/>
+          </a:p>
+        </p:txBody>
+      </p:sp>
+      <p:sp>
+        <p:nvSpPr>
+          <p:cNvPr id="3" name="內容版面配置區 2"/>
+          <p:cNvSpPr>
+            <a:spLocks noGrp="1"/>
+          </p:cNvSpPr>
+          <p:nvPr>
+            <p:ph idx="1"/>
+          </p:nvPr>
+        </p:nvSpPr>
+        <p:spPr/>
+        <p:txBody>
+          <a:bodyPr/>
+          <a:lstStyle/>
+          <a:p>
+            <a:endParaRPr lang="zh-TW" altLang="en-US"/>
+          </a:p>
+        </p:txBody>
+      </p:sp>
+    </p:spTree>
+    <p:extLst>
+      <p:ext uri="{BB962C8B-B14F-4D97-AF65-F5344CB8AC3E}">
+        <p14:creationId xmlns:p14="http://schemas.microsoft.com/office/powerpoint/2010/main" val="1156074623"/>
+      </p:ext>
+    </p:extLst>
+  </p:cSld>
+  <p:clrMapOvr>
+    <a:masterClrMapping/>
+  </p:clrMapOvr>
+</p:sld>
+</file>
+
+<file path=ppt/slides/slide15.xml><?xml version="1.0" encoding="utf-8"?>
+<p:sld xmlns:a="http://schemas.openxmlformats.org/drawingml/2006/main" xmlns:r="http://schemas.openxmlformats.org/officeDocument/2006/relationships" xmlns:p="http://schemas.openxmlformats.org/presentationml/2006/main">
+  <p:cSld>
+    <p:spTree>
+      <p:nvGrpSpPr>
+        <p:cNvPr id="1" name=""/>
+        <p:cNvGrpSpPr/>
+        <p:nvPr/>
+      </p:nvGrpSpPr>
+      <p:grpSpPr>
+        <a:xfrm>
+          <a:off x="0" y="0"/>
+          <a:ext cx="0" cy="0"/>
+          <a:chOff x="0" y="0"/>
+          <a:chExt cx="0" cy="0"/>
+        </a:xfrm>
+      </p:grpSpPr>
+      <p:sp>
+        <p:nvSpPr>
+          <p:cNvPr id="2" name="標題 1"/>
+          <p:cNvSpPr>
+            <a:spLocks noGrp="1"/>
+          </p:cNvSpPr>
+          <p:nvPr>
+            <p:ph type="title"/>
+          </p:nvPr>
+        </p:nvSpPr>
+        <p:spPr/>
+        <p:txBody>
+          <a:bodyPr/>
+          <a:lstStyle/>
+          <a:p>
             <a:endParaRPr lang="zh-TW" altLang="en-US"/>
           </a:p>
         </p:txBody>
@@ -3791,7 +4116,7 @@
 </p:sld>
 </file>
 
-<file path=ppt/slides/slide15.xml><?xml version="1.0" encoding="utf-8"?>
+<file path=ppt/slides/slide16.xml><?xml version="1.0" encoding="utf-8"?>
 <p:sld xmlns:a="http://schemas.openxmlformats.org/drawingml/2006/main" xmlns:r="http://schemas.openxmlformats.org/officeDocument/2006/relationships" xmlns:p="http://schemas.openxmlformats.org/presentationml/2006/main">
   <p:cSld>
     <p:spTree>
@@ -4213,13 +4538,8 @@
             </a:r>
             <a:r>
               <a:rPr lang="en-US" altLang="zh-TW" dirty="0" smtClean="0"/>
-              <a:t> commit  –m “commit description</a:t>
-            </a:r>
-            <a:r>
-              <a:rPr lang="en-US" altLang="zh-TW" dirty="0" smtClean="0"/>
-              <a:t>”(commit)</a:t>
-            </a:r>
-            <a:endParaRPr lang="en-US" altLang="zh-TW" dirty="0" smtClean="0"/>
+              <a:t> commit  –m “commit description”(commit)</a:t>
+            </a:r>
           </a:p>
           <a:p>
             <a:pPr marL="0" indent="0">
@@ -4638,7 +4958,7 @@
             </a:r>
             <a:r>
               <a:rPr lang="en-US" altLang="zh-TW" dirty="0" smtClean="0"/>
-              <a:t> rest –hard (</a:t>
+              <a:t> rest --hard (</a:t>
             </a:r>
             <a:r>
               <a:rPr lang="zh-TW" altLang="en-US" dirty="0"/>

--- a/github_tutorial.pptx
+++ b/github_tutorial.pptx
@@ -3650,7 +3650,6 @@
               <a:rPr lang="en-US" altLang="zh-TW" dirty="0" smtClean="0"/>
               <a:t>tag -d v2(delete tag v2) </a:t>
             </a:r>
-            <a:endParaRPr lang="en-US" altLang="zh-TW" dirty="0" smtClean="0"/>
           </a:p>
           <a:p>
             <a:r>
@@ -3844,11 +3843,7 @@
             </a:r>
             <a:r>
               <a:rPr lang="en-US" altLang="zh-TW" dirty="0" smtClean="0"/>
-              <a:t>pop(resume the latest </a:t>
-            </a:r>
-            <a:r>
-              <a:rPr lang="en-US" altLang="zh-TW" dirty="0" smtClean="0"/>
-              <a:t>stash)</a:t>
+              <a:t>pop(resume the latest stash)</a:t>
             </a:r>
           </a:p>
           <a:p>
@@ -3876,11 +3871,7 @@
             </a:r>
             <a:r>
               <a:rPr lang="en-US" altLang="zh-TW" dirty="0" smtClean="0"/>
-              <a:t>clear(clear all stash</a:t>
-            </a:r>
-            <a:r>
-              <a:rPr lang="en-US" altLang="zh-TW" dirty="0" smtClean="0"/>
-              <a:t>)</a:t>
+              <a:t>clear(clear all stash)</a:t>
             </a:r>
           </a:p>
           <a:p>
@@ -3909,11 +3900,7 @@
             </a:r>
             <a:r>
               <a:rPr lang="en-US" altLang="zh-TW" dirty="0" smtClean="0"/>
-              <a:t>@{</a:t>
-            </a:r>
-            <a:r>
-              <a:rPr lang="en-US" altLang="zh-TW" dirty="0" smtClean="0"/>
-              <a:t>number}</a:t>
+              <a:t>@{number}</a:t>
             </a:r>
             <a:endParaRPr lang="zh-TW" altLang="en-US" dirty="0"/>
           </a:p>
@@ -4148,7 +4135,27 @@
           <a:bodyPr/>
           <a:lstStyle/>
           <a:p>
-            <a:endParaRPr lang="zh-TW" altLang="en-US"/>
+            <a:r>
+              <a:rPr lang="en-US" altLang="zh-TW" dirty="0" err="1"/>
+              <a:t>g</a:t>
+            </a:r>
+            <a:r>
+              <a:rPr lang="en-US" altLang="zh-TW" dirty="0" err="1" smtClean="0"/>
+              <a:t>it</a:t>
+            </a:r>
+            <a:r>
+              <a:rPr lang="en-US" altLang="zh-TW" dirty="0" smtClean="0"/>
+              <a:t> remote &amp; </a:t>
+            </a:r>
+            <a:r>
+              <a:rPr lang="en-US" altLang="zh-TW" dirty="0" err="1" smtClean="0"/>
+              <a:t>git</a:t>
+            </a:r>
+            <a:r>
+              <a:rPr lang="en-US" altLang="zh-TW" dirty="0" smtClean="0"/>
+              <a:t> pull</a:t>
+            </a:r>
+            <a:endParaRPr lang="zh-TW" altLang="en-US" dirty="0"/>
           </a:p>
         </p:txBody>
       </p:sp>

--- a/github_tutorial.pptx
+++ b/github_tutorial.pptx
@@ -21,6 +21,10 @@
     <p:sldId id="261" r:id="rId15"/>
     <p:sldId id="258" r:id="rId16"/>
     <p:sldId id="259" r:id="rId17"/>
+    <p:sldId id="272" r:id="rId18"/>
+    <p:sldId id="274" r:id="rId19"/>
+    <p:sldId id="275" r:id="rId20"/>
+    <p:sldId id="273" r:id="rId21"/>
   </p:sldIdLst>
   <p:sldSz cx="9144000" cy="6858000" type="screen4x3"/>
   <p:notesSz cx="6858000" cy="9144000"/>
@@ -4145,36 +4149,85 @@
             </a:r>
             <a:r>
               <a:rPr lang="en-US" altLang="zh-TW" dirty="0" smtClean="0"/>
-              <a:t> remote &amp; </a:t>
-            </a:r>
+              <a:t> remote</a:t>
+            </a:r>
+            <a:endParaRPr lang="zh-TW" altLang="en-US" dirty="0"/>
+          </a:p>
+        </p:txBody>
+      </p:sp>
+      <p:sp>
+        <p:nvSpPr>
+          <p:cNvPr id="3" name="內容版面配置區 2"/>
+          <p:cNvSpPr>
+            <a:spLocks noGrp="1"/>
+          </p:cNvSpPr>
+          <p:nvPr>
+            <p:ph idx="1"/>
+          </p:nvPr>
+        </p:nvSpPr>
+        <p:spPr/>
+        <p:txBody>
+          <a:bodyPr/>
+          <a:lstStyle/>
+          <a:p>
             <a:r>
               <a:rPr lang="en-US" altLang="zh-TW" dirty="0" err="1" smtClean="0"/>
               <a:t>git</a:t>
             </a:r>
             <a:r>
               <a:rPr lang="en-US" altLang="zh-TW" dirty="0" smtClean="0"/>
-              <a:t> pull</a:t>
+              <a:t> remote(</a:t>
+            </a:r>
+            <a:r>
+              <a:rPr lang="zh-TW" altLang="en-US" dirty="0" smtClean="0"/>
+              <a:t>查詢遠端儲存庫</a:t>
+            </a:r>
+            <a:r>
+              <a:rPr lang="en-US" altLang="zh-TW" dirty="0" smtClean="0"/>
+              <a:t>)</a:t>
+            </a:r>
+          </a:p>
+          <a:p>
+            <a:pPr marL="0" indent="0">
+              <a:buNone/>
+            </a:pPr>
+            <a:r>
+              <a:rPr lang="en-US" altLang="zh-TW" dirty="0" smtClean="0"/>
+              <a:t>*</a:t>
+            </a:r>
+            <a:r>
+              <a:rPr lang="en-US" altLang="zh-TW" dirty="0" err="1" smtClean="0"/>
+              <a:t>git</a:t>
+            </a:r>
+            <a:r>
+              <a:rPr lang="en-US" altLang="zh-TW" dirty="0" smtClean="0"/>
+              <a:t> push origin [branch name] (</a:t>
+            </a:r>
+            <a:r>
+              <a:rPr lang="zh-TW" altLang="en-US" dirty="0" smtClean="0"/>
+              <a:t>用在</a:t>
+            </a:r>
+            <a:r>
+              <a:rPr lang="en-US" altLang="zh-TW" dirty="0" smtClean="0"/>
+              <a:t>push branch</a:t>
+            </a:r>
+            <a:r>
+              <a:rPr lang="zh-TW" altLang="en-US" dirty="0" smtClean="0"/>
+              <a:t>到遠端</a:t>
+            </a:r>
+            <a:r>
+              <a:rPr lang="en-US" altLang="zh-TW" dirty="0" smtClean="0"/>
+              <a:t>origin</a:t>
+            </a:r>
+            <a:r>
+              <a:rPr lang="zh-TW" altLang="en-US" dirty="0" smtClean="0"/>
+              <a:t>儲存庫</a:t>
+            </a:r>
+            <a:r>
+              <a:rPr lang="en-US" altLang="zh-TW" dirty="0" smtClean="0"/>
+              <a:t>)</a:t>
             </a:r>
             <a:endParaRPr lang="zh-TW" altLang="en-US" dirty="0"/>
-          </a:p>
-        </p:txBody>
-      </p:sp>
-      <p:sp>
-        <p:nvSpPr>
-          <p:cNvPr id="3" name="內容版面配置區 2"/>
-          <p:cNvSpPr>
-            <a:spLocks noGrp="1"/>
-          </p:cNvSpPr>
-          <p:nvPr>
-            <p:ph idx="1"/>
-          </p:nvPr>
-        </p:nvSpPr>
-        <p:spPr/>
-        <p:txBody>
-          <a:bodyPr/>
-          <a:lstStyle/>
-          <a:p>
-            <a:endParaRPr lang="zh-TW" altLang="en-US"/>
           </a:p>
         </p:txBody>
       </p:sp>
@@ -4182,6 +4235,516 @@
     <p:extLst>
       <p:ext uri="{BB962C8B-B14F-4D97-AF65-F5344CB8AC3E}">
         <p14:creationId xmlns:p14="http://schemas.microsoft.com/office/powerpoint/2010/main" val="51210429"/>
+      </p:ext>
+    </p:extLst>
+  </p:cSld>
+  <p:clrMapOvr>
+    <a:masterClrMapping/>
+  </p:clrMapOvr>
+</p:sld>
+</file>
+
+<file path=ppt/slides/slide17.xml><?xml version="1.0" encoding="utf-8"?>
+<p:sld xmlns:a="http://schemas.openxmlformats.org/drawingml/2006/main" xmlns:r="http://schemas.openxmlformats.org/officeDocument/2006/relationships" xmlns:p="http://schemas.openxmlformats.org/presentationml/2006/main">
+  <p:cSld>
+    <p:spTree>
+      <p:nvGrpSpPr>
+        <p:cNvPr id="1" name=""/>
+        <p:cNvGrpSpPr/>
+        <p:nvPr/>
+      </p:nvGrpSpPr>
+      <p:grpSpPr>
+        <a:xfrm>
+          <a:off x="0" y="0"/>
+          <a:ext cx="0" cy="0"/>
+          <a:chOff x="0" y="0"/>
+          <a:chExt cx="0" cy="0"/>
+        </a:xfrm>
+      </p:grpSpPr>
+      <p:sp>
+        <p:nvSpPr>
+          <p:cNvPr id="2" name="標題 1"/>
+          <p:cNvSpPr>
+            <a:spLocks noGrp="1"/>
+          </p:cNvSpPr>
+          <p:nvPr>
+            <p:ph type="title"/>
+          </p:nvPr>
+        </p:nvSpPr>
+        <p:spPr/>
+        <p:txBody>
+          <a:bodyPr/>
+          <a:lstStyle/>
+          <a:p>
+            <a:r>
+              <a:rPr lang="en-US" altLang="zh-TW" dirty="0" err="1"/>
+              <a:t>g</a:t>
+            </a:r>
+            <a:r>
+              <a:rPr lang="en-US" altLang="zh-TW" dirty="0" err="1" smtClean="0"/>
+              <a:t>it</a:t>
+            </a:r>
+            <a:r>
+              <a:rPr lang="en-US" altLang="zh-TW" dirty="0" smtClean="0"/>
+              <a:t> pull</a:t>
+            </a:r>
+            <a:endParaRPr lang="zh-TW" altLang="en-US" dirty="0"/>
+          </a:p>
+        </p:txBody>
+      </p:sp>
+      <p:sp>
+        <p:nvSpPr>
+          <p:cNvPr id="3" name="內容版面配置區 2"/>
+          <p:cNvSpPr>
+            <a:spLocks noGrp="1"/>
+          </p:cNvSpPr>
+          <p:nvPr>
+            <p:ph idx="1"/>
+          </p:nvPr>
+        </p:nvSpPr>
+        <p:spPr/>
+        <p:txBody>
+          <a:bodyPr/>
+          <a:lstStyle/>
+          <a:p>
+            <a:pPr marL="0" indent="0">
+              <a:buNone/>
+            </a:pPr>
+            <a:r>
+              <a:rPr lang="en-US" altLang="zh-TW" dirty="0" smtClean="0"/>
+              <a:t>*</a:t>
+            </a:r>
+            <a:r>
+              <a:rPr lang="zh-TW" altLang="en-US" dirty="0" smtClean="0"/>
+              <a:t>無衝突，可直接</a:t>
+            </a:r>
+            <a:r>
+              <a:rPr lang="en-US" altLang="zh-TW" dirty="0" smtClean="0"/>
+              <a:t>push</a:t>
+            </a:r>
+          </a:p>
+          <a:p>
+            <a:r>
+              <a:rPr lang="en-US" altLang="zh-TW" dirty="0" err="1"/>
+              <a:t>git</a:t>
+            </a:r>
+            <a:r>
+              <a:rPr lang="en-US" altLang="zh-TW" dirty="0"/>
+              <a:t> push(push local repository to </a:t>
+            </a:r>
+            <a:r>
+              <a:rPr lang="en-US" altLang="zh-TW" dirty="0" err="1"/>
+              <a:t>github</a:t>
+            </a:r>
+            <a:r>
+              <a:rPr lang="en-US" altLang="zh-TW" dirty="0"/>
+              <a:t>)</a:t>
+            </a:r>
+          </a:p>
+          <a:p>
+            <a:pPr marL="0" indent="0">
+              <a:buNone/>
+            </a:pPr>
+            <a:r>
+              <a:rPr lang="zh-TW" altLang="en-US" dirty="0" smtClean="0"/>
+              <a:t>*有衝突</a:t>
+            </a:r>
+            <a:r>
+              <a:rPr lang="zh-TW" altLang="en-US" dirty="0"/>
+              <a:t>方法</a:t>
+            </a:r>
+            <a:r>
+              <a:rPr lang="zh-TW" altLang="en-US" dirty="0" smtClean="0"/>
+              <a:t>一</a:t>
+            </a:r>
+            <a:r>
+              <a:rPr lang="en-US" altLang="zh-TW" dirty="0" smtClean="0"/>
+              <a:t>:</a:t>
+            </a:r>
+          </a:p>
+          <a:p>
+            <a:r>
+              <a:rPr lang="en-US" altLang="zh-TW" dirty="0" smtClean="0"/>
+              <a:t>A</a:t>
+            </a:r>
+            <a:r>
+              <a:rPr lang="zh-TW" altLang="en-US" dirty="0" smtClean="0"/>
+              <a:t> 先 </a:t>
+            </a:r>
+            <a:r>
+              <a:rPr lang="en-US" altLang="zh-TW" dirty="0" smtClean="0"/>
+              <a:t>push </a:t>
+            </a:r>
+            <a:r>
+              <a:rPr lang="zh-TW" altLang="en-US" dirty="0" smtClean="0"/>
+              <a:t>上 </a:t>
+            </a:r>
+            <a:r>
+              <a:rPr lang="en-US" altLang="zh-TW" dirty="0" err="1" smtClean="0"/>
+              <a:t>github</a:t>
+            </a:r>
+            <a:r>
+              <a:rPr lang="en-US" altLang="zh-TW" dirty="0" smtClean="0"/>
+              <a:t> </a:t>
+            </a:r>
+            <a:r>
+              <a:rPr lang="zh-TW" altLang="en-US" dirty="0" smtClean="0"/>
+              <a:t> ， </a:t>
+            </a:r>
+            <a:r>
+              <a:rPr lang="en-US" altLang="zh-TW" dirty="0" smtClean="0"/>
+              <a:t>B </a:t>
+            </a:r>
+            <a:r>
+              <a:rPr lang="zh-TW" altLang="en-US" dirty="0" smtClean="0"/>
+              <a:t>再 </a:t>
+            </a:r>
+            <a:r>
+              <a:rPr lang="en-US" altLang="zh-TW" dirty="0" smtClean="0"/>
+              <a:t>push </a:t>
+            </a:r>
+            <a:r>
+              <a:rPr lang="zh-TW" altLang="en-US" dirty="0" smtClean="0"/>
+              <a:t>上 </a:t>
+            </a:r>
+            <a:r>
+              <a:rPr lang="en-US" altLang="zh-TW" dirty="0" err="1" smtClean="0"/>
+              <a:t>github</a:t>
+            </a:r>
+            <a:r>
+              <a:rPr lang="en-US" altLang="zh-TW" dirty="0" smtClean="0"/>
+              <a:t> </a:t>
+            </a:r>
+            <a:r>
+              <a:rPr lang="zh-TW" altLang="en-US" dirty="0" smtClean="0"/>
+              <a:t>，會發生衝突。解決辦法</a:t>
+            </a:r>
+            <a:r>
+              <a:rPr lang="en-US" altLang="zh-TW" dirty="0" smtClean="0"/>
+              <a:t>:</a:t>
+            </a:r>
+            <a:r>
+              <a:rPr lang="zh-TW" altLang="en-US" dirty="0" smtClean="0"/>
+              <a:t>先</a:t>
+            </a:r>
+            <a:r>
+              <a:rPr lang="en-US" altLang="zh-TW" dirty="0" smtClean="0"/>
+              <a:t>pull</a:t>
+            </a:r>
+            <a:r>
+              <a:rPr lang="zh-TW" altLang="en-US" dirty="0" smtClean="0"/>
+              <a:t>遠端最新</a:t>
+            </a:r>
+            <a:r>
+              <a:rPr lang="en-US" altLang="zh-TW" dirty="0" smtClean="0"/>
+              <a:t>commit</a:t>
+            </a:r>
+            <a:r>
+              <a:rPr lang="zh-TW" altLang="en-US" dirty="0" smtClean="0"/>
+              <a:t>紀錄，</a:t>
+            </a:r>
+            <a:r>
+              <a:rPr lang="en-US" altLang="zh-TW" dirty="0" smtClean="0"/>
+              <a:t>merge</a:t>
+            </a:r>
+            <a:r>
+              <a:rPr lang="zh-TW" altLang="en-US" dirty="0" smtClean="0"/>
+              <a:t> </a:t>
+            </a:r>
+            <a:r>
+              <a:rPr lang="en-US" altLang="zh-TW" dirty="0" smtClean="0"/>
+              <a:t>B</a:t>
+            </a:r>
+            <a:r>
+              <a:rPr lang="zh-TW" altLang="en-US" dirty="0" smtClean="0"/>
+              <a:t>的本地後，再</a:t>
+            </a:r>
+            <a:r>
+              <a:rPr lang="en-US" altLang="zh-TW" dirty="0" smtClean="0"/>
+              <a:t>push</a:t>
+            </a:r>
+            <a:r>
+              <a:rPr lang="zh-TW" altLang="en-US" dirty="0" smtClean="0"/>
+              <a:t>上去。</a:t>
+            </a:r>
+            <a:endParaRPr lang="zh-TW" altLang="en-US" dirty="0"/>
+          </a:p>
+        </p:txBody>
+      </p:sp>
+    </p:spTree>
+    <p:extLst>
+      <p:ext uri="{BB962C8B-B14F-4D97-AF65-F5344CB8AC3E}">
+        <p14:creationId xmlns:p14="http://schemas.microsoft.com/office/powerpoint/2010/main" val="1675214833"/>
+      </p:ext>
+    </p:extLst>
+  </p:cSld>
+  <p:clrMapOvr>
+    <a:masterClrMapping/>
+  </p:clrMapOvr>
+</p:sld>
+</file>
+
+<file path=ppt/slides/slide18.xml><?xml version="1.0" encoding="utf-8"?>
+<p:sld xmlns:a="http://schemas.openxmlformats.org/drawingml/2006/main" xmlns:r="http://schemas.openxmlformats.org/officeDocument/2006/relationships" xmlns:p="http://schemas.openxmlformats.org/presentationml/2006/main">
+  <p:cSld>
+    <p:spTree>
+      <p:nvGrpSpPr>
+        <p:cNvPr id="1" name=""/>
+        <p:cNvGrpSpPr/>
+        <p:nvPr/>
+      </p:nvGrpSpPr>
+      <p:grpSpPr>
+        <a:xfrm>
+          <a:off x="0" y="0"/>
+          <a:ext cx="0" cy="0"/>
+          <a:chOff x="0" y="0"/>
+          <a:chExt cx="0" cy="0"/>
+        </a:xfrm>
+      </p:grpSpPr>
+      <p:sp>
+        <p:nvSpPr>
+          <p:cNvPr id="2" name="標題 1"/>
+          <p:cNvSpPr>
+            <a:spLocks noGrp="1"/>
+          </p:cNvSpPr>
+          <p:nvPr>
+            <p:ph type="title"/>
+          </p:nvPr>
+        </p:nvSpPr>
+        <p:spPr/>
+        <p:txBody>
+          <a:bodyPr/>
+          <a:lstStyle/>
+          <a:p>
+            <a:endParaRPr lang="zh-TW" altLang="en-US"/>
+          </a:p>
+        </p:txBody>
+      </p:sp>
+      <p:sp>
+        <p:nvSpPr>
+          <p:cNvPr id="3" name="內容版面配置區 2"/>
+          <p:cNvSpPr>
+            <a:spLocks noGrp="1"/>
+          </p:cNvSpPr>
+          <p:nvPr>
+            <p:ph idx="1"/>
+          </p:nvPr>
+        </p:nvSpPr>
+        <p:spPr/>
+        <p:txBody>
+          <a:bodyPr/>
+          <a:lstStyle/>
+          <a:p>
+            <a:pPr marL="0" indent="0">
+              <a:buNone/>
+            </a:pPr>
+            <a:r>
+              <a:rPr lang="zh-TW" altLang="en-US" dirty="0"/>
+              <a:t>*有衝突</a:t>
+            </a:r>
+            <a:r>
+              <a:rPr lang="zh-TW" altLang="en-US" dirty="0" smtClean="0"/>
+              <a:t>方法二</a:t>
+            </a:r>
+            <a:r>
+              <a:rPr lang="en-US" altLang="zh-TW" dirty="0" smtClean="0"/>
+              <a:t>:</a:t>
+            </a:r>
+            <a:endParaRPr lang="en-US" altLang="zh-TW" dirty="0"/>
+          </a:p>
+          <a:p>
+            <a:r>
+              <a:rPr lang="en-US" altLang="zh-TW" dirty="0" err="1" smtClean="0"/>
+              <a:t>Git</a:t>
+            </a:r>
+            <a:r>
+              <a:rPr lang="en-US" altLang="zh-TW" dirty="0" smtClean="0"/>
+              <a:t> fetch origin [</a:t>
+            </a:r>
+            <a:r>
+              <a:rPr lang="zh-TW" altLang="en-US" dirty="0" smtClean="0"/>
+              <a:t>遠端分支</a:t>
+            </a:r>
+            <a:r>
+              <a:rPr lang="en-US" altLang="zh-TW" dirty="0" smtClean="0"/>
+              <a:t>]</a:t>
+            </a:r>
+          </a:p>
+          <a:p>
+            <a:pPr marL="0" indent="0">
+              <a:buNone/>
+            </a:pPr>
+            <a:r>
+              <a:rPr lang="zh-TW" altLang="en-US" dirty="0"/>
+              <a:t>如果</a:t>
+            </a:r>
+            <a:r>
+              <a:rPr lang="zh-TW" altLang="en-US" dirty="0" smtClean="0"/>
+              <a:t>擔心</a:t>
+            </a:r>
+            <a:r>
+              <a:rPr lang="en-US" altLang="zh-TW" dirty="0" smtClean="0"/>
+              <a:t>pull </a:t>
+            </a:r>
+            <a:r>
+              <a:rPr lang="zh-TW" altLang="en-US" dirty="0" smtClean="0"/>
+              <a:t>下來導致自己數據庫太亂或有衝突，可使用以上指令，此時本地數據庫會多一個</a:t>
+            </a:r>
+            <a:r>
+              <a:rPr lang="en-US" altLang="zh-TW" dirty="0" smtClean="0"/>
+              <a:t>FETCH_HEAD</a:t>
+            </a:r>
+            <a:r>
+              <a:rPr lang="zh-TW" altLang="en-US" dirty="0" smtClean="0"/>
+              <a:t>分支，這就是遠端數據庫的分支，等你看過沒問題後再與本地</a:t>
+            </a:r>
+            <a:r>
+              <a:rPr lang="en-US" altLang="zh-TW" dirty="0" smtClean="0"/>
+              <a:t>master merge</a:t>
+            </a:r>
+            <a:r>
+              <a:rPr lang="zh-TW" altLang="en-US" dirty="0" smtClean="0"/>
+              <a:t>，再</a:t>
+            </a:r>
+            <a:r>
+              <a:rPr lang="en-US" altLang="zh-TW" dirty="0" smtClean="0"/>
+              <a:t>push </a:t>
+            </a:r>
+            <a:r>
+              <a:rPr lang="zh-TW" altLang="en-US" dirty="0" smtClean="0"/>
+              <a:t>上去。 </a:t>
+            </a:r>
+            <a:endParaRPr lang="zh-TW" altLang="en-US" dirty="0"/>
+          </a:p>
+        </p:txBody>
+      </p:sp>
+    </p:spTree>
+    <p:extLst>
+      <p:ext uri="{BB962C8B-B14F-4D97-AF65-F5344CB8AC3E}">
+        <p14:creationId xmlns:p14="http://schemas.microsoft.com/office/powerpoint/2010/main" val="3145032581"/>
+      </p:ext>
+    </p:extLst>
+  </p:cSld>
+  <p:clrMapOvr>
+    <a:masterClrMapping/>
+  </p:clrMapOvr>
+</p:sld>
+</file>
+
+<file path=ppt/slides/slide19.xml><?xml version="1.0" encoding="utf-8"?>
+<p:sld xmlns:a="http://schemas.openxmlformats.org/drawingml/2006/main" xmlns:r="http://schemas.openxmlformats.org/officeDocument/2006/relationships" xmlns:p="http://schemas.openxmlformats.org/presentationml/2006/main">
+  <p:cSld>
+    <p:spTree>
+      <p:nvGrpSpPr>
+        <p:cNvPr id="1" name=""/>
+        <p:cNvGrpSpPr/>
+        <p:nvPr/>
+      </p:nvGrpSpPr>
+      <p:grpSpPr>
+        <a:xfrm>
+          <a:off x="0" y="0"/>
+          <a:ext cx="0" cy="0"/>
+          <a:chOff x="0" y="0"/>
+          <a:chExt cx="0" cy="0"/>
+        </a:xfrm>
+      </p:grpSpPr>
+      <p:sp>
+        <p:nvSpPr>
+          <p:cNvPr id="2" name="標題 1"/>
+          <p:cNvSpPr>
+            <a:spLocks noGrp="1"/>
+          </p:cNvSpPr>
+          <p:nvPr>
+            <p:ph type="title"/>
+          </p:nvPr>
+        </p:nvSpPr>
+        <p:spPr/>
+        <p:txBody>
+          <a:bodyPr/>
+          <a:lstStyle/>
+          <a:p>
+            <a:endParaRPr lang="zh-TW" altLang="en-US"/>
+          </a:p>
+        </p:txBody>
+      </p:sp>
+      <p:sp>
+        <p:nvSpPr>
+          <p:cNvPr id="3" name="內容版面配置區 2"/>
+          <p:cNvSpPr>
+            <a:spLocks noGrp="1"/>
+          </p:cNvSpPr>
+          <p:nvPr>
+            <p:ph idx="1"/>
+          </p:nvPr>
+        </p:nvSpPr>
+        <p:spPr/>
+        <p:txBody>
+          <a:bodyPr/>
+          <a:lstStyle/>
+          <a:p>
+            <a:pPr marL="0" indent="0">
+              <a:buNone/>
+            </a:pPr>
+            <a:r>
+              <a:rPr lang="zh-TW" altLang="en-US" dirty="0"/>
+              <a:t>*有衝突</a:t>
+            </a:r>
+            <a:r>
+              <a:rPr lang="zh-TW" altLang="en-US" dirty="0" smtClean="0"/>
+              <a:t>方法三</a:t>
+            </a:r>
+            <a:r>
+              <a:rPr lang="en-US" altLang="zh-TW" dirty="0" smtClean="0"/>
+              <a:t>(</a:t>
+            </a:r>
+            <a:r>
+              <a:rPr lang="zh-TW" altLang="en-US" dirty="0" smtClean="0"/>
+              <a:t>不建議</a:t>
+            </a:r>
+            <a:r>
+              <a:rPr lang="en-US" altLang="zh-TW" dirty="0" smtClean="0"/>
+              <a:t>):</a:t>
+            </a:r>
+          </a:p>
+          <a:p>
+            <a:pPr marL="0" indent="0">
+              <a:buNone/>
+            </a:pPr>
+            <a:r>
+              <a:rPr lang="en-US" altLang="zh-TW" dirty="0" err="1"/>
+              <a:t>g</a:t>
+            </a:r>
+            <a:r>
+              <a:rPr lang="en-US" altLang="zh-TW" dirty="0" err="1" smtClean="0"/>
+              <a:t>it</a:t>
+            </a:r>
+            <a:r>
+              <a:rPr lang="en-US" altLang="zh-TW" dirty="0" smtClean="0"/>
+              <a:t> push -f </a:t>
+            </a:r>
+          </a:p>
+          <a:p>
+            <a:pPr marL="0" indent="0">
+              <a:buNone/>
+            </a:pPr>
+            <a:r>
+              <a:rPr lang="zh-TW" altLang="en-US" dirty="0" smtClean="0"/>
+              <a:t>無視遠端版本差異，強迫推上去，會把遠端內容蓋掉。</a:t>
+            </a:r>
+            <a:endParaRPr lang="en-US" altLang="zh-TW" dirty="0"/>
+          </a:p>
+          <a:p>
+            <a:pPr marL="0" indent="0">
+              <a:buNone/>
+            </a:pPr>
+            <a:endParaRPr lang="zh-TW" altLang="en-US" dirty="0"/>
+          </a:p>
+        </p:txBody>
+      </p:sp>
+    </p:spTree>
+    <p:extLst>
+      <p:ext uri="{BB962C8B-B14F-4D97-AF65-F5344CB8AC3E}">
+        <p14:creationId xmlns:p14="http://schemas.microsoft.com/office/powerpoint/2010/main" val="409929951"/>
       </p:ext>
     </p:extLst>
   </p:cSld>
@@ -4304,6 +4867,86 @@
     <p:extLst>
       <p:ext uri="{BB962C8B-B14F-4D97-AF65-F5344CB8AC3E}">
         <p14:creationId xmlns:p14="http://schemas.microsoft.com/office/powerpoint/2010/main" val="124865069"/>
+      </p:ext>
+    </p:extLst>
+  </p:cSld>
+  <p:clrMapOvr>
+    <a:masterClrMapping/>
+  </p:clrMapOvr>
+</p:sld>
+</file>
+
+<file path=ppt/slides/slide20.xml><?xml version="1.0" encoding="utf-8"?>
+<p:sld xmlns:a="http://schemas.openxmlformats.org/drawingml/2006/main" xmlns:r="http://schemas.openxmlformats.org/officeDocument/2006/relationships" xmlns:p="http://schemas.openxmlformats.org/presentationml/2006/main">
+  <p:cSld>
+    <p:spTree>
+      <p:nvGrpSpPr>
+        <p:cNvPr id="1" name=""/>
+        <p:cNvGrpSpPr/>
+        <p:nvPr/>
+      </p:nvGrpSpPr>
+      <p:grpSpPr>
+        <a:xfrm>
+          <a:off x="0" y="0"/>
+          <a:ext cx="0" cy="0"/>
+          <a:chOff x="0" y="0"/>
+          <a:chExt cx="0" cy="0"/>
+        </a:xfrm>
+      </p:grpSpPr>
+      <p:sp>
+        <p:nvSpPr>
+          <p:cNvPr id="2" name="標題 1"/>
+          <p:cNvSpPr>
+            <a:spLocks noGrp="1"/>
+          </p:cNvSpPr>
+          <p:nvPr>
+            <p:ph type="title"/>
+          </p:nvPr>
+        </p:nvSpPr>
+        <p:spPr/>
+        <p:txBody>
+          <a:bodyPr/>
+          <a:lstStyle/>
+          <a:p>
+            <a:r>
+              <a:rPr lang="en-US" altLang="zh-TW" dirty="0" err="1"/>
+              <a:t>g</a:t>
+            </a:r>
+            <a:r>
+              <a:rPr lang="en-US" altLang="zh-TW" dirty="0" err="1" smtClean="0"/>
+              <a:t>ithub</a:t>
+            </a:r>
+            <a:r>
+              <a:rPr lang="en-US" altLang="zh-TW" dirty="0" smtClean="0"/>
+              <a:t> pages</a:t>
+            </a:r>
+            <a:endParaRPr lang="zh-TW" altLang="en-US" dirty="0"/>
+          </a:p>
+        </p:txBody>
+      </p:sp>
+      <p:sp>
+        <p:nvSpPr>
+          <p:cNvPr id="3" name="內容版面配置區 2"/>
+          <p:cNvSpPr>
+            <a:spLocks noGrp="1"/>
+          </p:cNvSpPr>
+          <p:nvPr>
+            <p:ph idx="1"/>
+          </p:nvPr>
+        </p:nvSpPr>
+        <p:spPr/>
+        <p:txBody>
+          <a:bodyPr/>
+          <a:lstStyle/>
+          <a:p>
+            <a:endParaRPr lang="zh-TW" altLang="en-US" dirty="0"/>
+          </a:p>
+        </p:txBody>
+      </p:sp>
+    </p:spTree>
+    <p:extLst>
+      <p:ext uri="{BB962C8B-B14F-4D97-AF65-F5344CB8AC3E}">
+        <p14:creationId xmlns:p14="http://schemas.microsoft.com/office/powerpoint/2010/main" val="3461042532"/>
       </p:ext>
     </p:extLst>
   </p:cSld>
